--- a/tensorflow/Nmap 密技寶典.pptx
+++ b/tensorflow/Nmap 密技寶典.pptx
@@ -11,7 +11,14 @@
     <p:sldId id="261" r:id="rId5"/>
     <p:sldId id="260" r:id="rId6"/>
     <p:sldId id="262" r:id="rId7"/>
-    <p:sldId id="257" r:id="rId8"/>
+    <p:sldId id="263" r:id="rId8"/>
+    <p:sldId id="264" r:id="rId9"/>
+    <p:sldId id="265" r:id="rId10"/>
+    <p:sldId id="266" r:id="rId11"/>
+    <p:sldId id="267" r:id="rId12"/>
+    <p:sldId id="257" r:id="rId13"/>
+    <p:sldId id="268" r:id="rId14"/>
+    <p:sldId id="269" r:id="rId15"/>
   </p:sldIdLst>
   <p:sldSz cx="9144000" cy="6858000" type="screen4x3"/>
   <p:notesSz cx="6858000" cy="9144000"/>
@@ -110,6 +117,22 @@
       </a:defRPr>
     </a:lvl9pPr>
   </p:defaultTextStyle>
+  <p:extLst>
+    <p:ext uri="{EFAFB233-063F-42B5-8137-9DF3F51BA10A}">
+      <p15:sldGuideLst xmlns:p15="http://schemas.microsoft.com/office/powerpoint/2012/main">
+        <p15:guide id="1" orient="horz" pos="2160">
+          <p15:clr>
+            <a:srgbClr val="A4A3A4"/>
+          </p15:clr>
+        </p15:guide>
+        <p15:guide id="2" pos="2880">
+          <p15:clr>
+            <a:srgbClr val="A4A3A4"/>
+          </p15:clr>
+        </p15:guide>
+      </p15:sldGuideLst>
+    </p:ext>
+  </p:extLst>
 </p:presentation>
 </file>
 
@@ -173,9 +196,7 @@
         </p:style>
         <p:txBody>
           <a:bodyPr rtlCol="0" anchor="ctr"/>
-          <a:lstStyle>
-            <a:extLst/>
-          </a:lstStyle>
+          <a:lstStyle/>
           <a:p>
             <a:pPr algn="ctr" eaLnBrk="1" latinLnBrk="0" hangingPunct="1"/>
             <a:endParaRPr kumimoji="0" lang="en-US"/>
@@ -361,7 +382,7 @@
           <a:p>
             <a:fld id="{23D87921-ED44-43B8-9701-B55FAE391BA9}" type="datetimeFigureOut">
               <a:rPr lang="zh-TW" altLang="en-US" smtClean="0"/>
-              <a:t>2018/12/19</a:t>
+              <a:t>2018/12/25</a:t>
             </a:fld>
             <a:endParaRPr lang="zh-TW" altLang="en-US"/>
           </a:p>
@@ -454,9 +475,7 @@
         </p:style>
         <p:txBody>
           <a:bodyPr rtlCol="0" anchor="ctr"/>
-          <a:lstStyle>
-            <a:extLst/>
-          </a:lstStyle>
+          <a:lstStyle/>
           <a:p>
             <a:pPr algn="ctr" eaLnBrk="1" latinLnBrk="0" hangingPunct="1"/>
             <a:endParaRPr kumimoji="0" lang="en-US"/>
@@ -501,9 +520,7 @@
         <p:spPr/>
         <p:txBody>
           <a:bodyPr/>
-          <a:lstStyle>
-            <a:extLst/>
-          </a:lstStyle>
+          <a:lstStyle/>
           <a:p>
             <a:r>
               <a:rPr kumimoji="0" lang="zh-TW" altLang="en-US" smtClean="0"/>
@@ -526,9 +543,7 @@
         <p:spPr/>
         <p:txBody>
           <a:bodyPr vert="eaVert"/>
-          <a:lstStyle>
-            <a:extLst/>
-          </a:lstStyle>
+          <a:lstStyle/>
           <a:p>
             <a:pPr lvl="0" eaLnBrk="1" latinLnBrk="0" hangingPunct="1"/>
             <a:r>
@@ -584,7 +599,7 @@
           <a:p>
             <a:fld id="{23D87921-ED44-43B8-9701-B55FAE391BA9}" type="datetimeFigureOut">
               <a:rPr lang="zh-TW" altLang="en-US" smtClean="0"/>
-              <a:t>2018/12/19</a:t>
+              <a:t>2018/12/25</a:t>
             </a:fld>
             <a:endParaRPr lang="zh-TW" altLang="en-US"/>
           </a:p>
@@ -702,9 +717,7 @@
         </p:style>
         <p:txBody>
           <a:bodyPr rtlCol="0" anchor="ctr"/>
-          <a:lstStyle>
-            <a:extLst/>
-          </a:lstStyle>
+          <a:lstStyle/>
           <a:p>
             <a:pPr algn="ctr" eaLnBrk="1" latinLnBrk="0" hangingPunct="1"/>
             <a:endParaRPr kumimoji="0" lang="en-US"/>
@@ -749,9 +762,7 @@
         </p:style>
         <p:txBody>
           <a:bodyPr rtlCol="0" anchor="ctr"/>
-          <a:lstStyle>
-            <a:extLst/>
-          </a:lstStyle>
+          <a:lstStyle/>
           <a:p>
             <a:pPr algn="ctr" eaLnBrk="1" latinLnBrk="0" hangingPunct="1"/>
             <a:endParaRPr kumimoji="0" lang="en-US"/>
@@ -776,9 +787,7 @@
         </p:spPr>
         <p:txBody>
           <a:bodyPr vert="eaVert"/>
-          <a:lstStyle>
-            <a:extLst/>
-          </a:lstStyle>
+          <a:lstStyle/>
           <a:p>
             <a:r>
               <a:rPr kumimoji="0" lang="zh-TW" altLang="en-US" smtClean="0"/>
@@ -806,9 +815,7 @@
         </p:spPr>
         <p:txBody>
           <a:bodyPr vert="eaVert"/>
-          <a:lstStyle>
-            <a:extLst/>
-          </a:lstStyle>
+          <a:lstStyle/>
           <a:p>
             <a:pPr lvl="0" eaLnBrk="1" latinLnBrk="0" hangingPunct="1"/>
             <a:r>
@@ -864,7 +871,7 @@
           <a:p>
             <a:fld id="{23D87921-ED44-43B8-9701-B55FAE391BA9}" type="datetimeFigureOut">
               <a:rPr lang="zh-TW" altLang="en-US" smtClean="0"/>
-              <a:t>2018/12/19</a:t>
+              <a:t>2018/12/25</a:t>
             </a:fld>
             <a:endParaRPr lang="zh-TW" altLang="en-US"/>
           </a:p>
@@ -960,9 +967,7 @@
         </p:spPr>
         <p:txBody>
           <a:bodyPr/>
-          <a:lstStyle>
-            <a:extLst/>
-          </a:lstStyle>
+          <a:lstStyle/>
           <a:p>
             <a:r>
               <a:rPr kumimoji="0" lang="zh-TW" altLang="en-US" smtClean="0"/>
@@ -985,9 +990,7 @@
         <p:spPr/>
         <p:txBody>
           <a:bodyPr/>
-          <a:lstStyle>
-            <a:extLst/>
-          </a:lstStyle>
+          <a:lstStyle/>
           <a:p>
             <a:pPr lvl="0" eaLnBrk="1" latinLnBrk="0" hangingPunct="1"/>
             <a:r>
@@ -1043,7 +1046,7 @@
           <a:p>
             <a:fld id="{23D87921-ED44-43B8-9701-B55FAE391BA9}" type="datetimeFigureOut">
               <a:rPr lang="zh-TW" altLang="en-US" smtClean="0"/>
-              <a:t>2018/12/19</a:t>
+              <a:t>2018/12/25</a:t>
             </a:fld>
             <a:endParaRPr lang="zh-TW" altLang="en-US"/>
           </a:p>
@@ -1159,9 +1162,7 @@
         </p:style>
         <p:txBody>
           <a:bodyPr rtlCol="0" anchor="ctr"/>
-          <a:lstStyle>
-            <a:extLst/>
-          </a:lstStyle>
+          <a:lstStyle/>
           <a:p>
             <a:pPr algn="ctr" eaLnBrk="1" latinLnBrk="0" hangingPunct="1"/>
             <a:endParaRPr kumimoji="0" lang="en-US"/>
@@ -1213,9 +1214,7 @@
         </p:style>
         <p:txBody>
           <a:bodyPr rtlCol="0" anchor="ctr"/>
-          <a:lstStyle>
-            <a:extLst/>
-          </a:lstStyle>
+          <a:lstStyle/>
           <a:p>
             <a:pPr algn="ctr" eaLnBrk="1" latinLnBrk="0" hangingPunct="1"/>
             <a:endParaRPr kumimoji="0" lang="en-US"/>
@@ -1401,7 +1400,7 @@
           <a:p>
             <a:fld id="{23D87921-ED44-43B8-9701-B55FAE391BA9}" type="datetimeFigureOut">
               <a:rPr lang="zh-TW" altLang="en-US" smtClean="0"/>
-              <a:t>2018/12/19</a:t>
+              <a:t>2018/12/25</a:t>
             </a:fld>
             <a:endParaRPr lang="zh-TW" altLang="en-US"/>
           </a:p>
@@ -1487,9 +1486,7 @@
         <p:spPr/>
         <p:txBody>
           <a:bodyPr/>
-          <a:lstStyle>
-            <a:extLst/>
-          </a:lstStyle>
+          <a:lstStyle/>
           <a:p>
             <a:r>
               <a:rPr kumimoji="0" lang="zh-TW" altLang="en-US" smtClean="0"/>
@@ -1688,7 +1685,7 @@
           <a:p>
             <a:fld id="{23D87921-ED44-43B8-9701-B55FAE391BA9}" type="datetimeFigureOut">
               <a:rPr lang="zh-TW" altLang="en-US" smtClean="0"/>
-              <a:t>2018/12/19</a:t>
+              <a:t>2018/12/25</a:t>
             </a:fld>
             <a:endParaRPr lang="zh-TW" altLang="en-US"/>
           </a:p>
@@ -2110,7 +2107,7 @@
           <a:p>
             <a:fld id="{23D87921-ED44-43B8-9701-B55FAE391BA9}" type="datetimeFigureOut">
               <a:rPr lang="zh-TW" altLang="en-US" smtClean="0"/>
-              <a:t>2018/12/19</a:t>
+              <a:t>2018/12/25</a:t>
             </a:fld>
             <a:endParaRPr lang="zh-TW" altLang="en-US"/>
           </a:p>
@@ -2196,9 +2193,7 @@
         <p:spPr/>
         <p:txBody>
           <a:bodyPr/>
-          <a:lstStyle>
-            <a:extLst/>
-          </a:lstStyle>
+          <a:lstStyle/>
           <a:p>
             <a:r>
               <a:rPr kumimoji="0" lang="zh-TW" altLang="en-US" smtClean="0"/>
@@ -2225,7 +2220,7 @@
           <a:p>
             <a:fld id="{23D87921-ED44-43B8-9701-B55FAE391BA9}" type="datetimeFigureOut">
               <a:rPr lang="zh-TW" altLang="en-US" smtClean="0"/>
-              <a:t>2018/12/19</a:t>
+              <a:t>2018/12/25</a:t>
             </a:fld>
             <a:endParaRPr lang="zh-TW" altLang="en-US"/>
           </a:p>
@@ -2315,7 +2310,7 @@
           <a:p>
             <a:fld id="{23D87921-ED44-43B8-9701-B55FAE391BA9}" type="datetimeFigureOut">
               <a:rPr lang="zh-TW" altLang="en-US" smtClean="0"/>
-              <a:t>2018/12/19</a:t>
+              <a:t>2018/12/25</a:t>
             </a:fld>
             <a:endParaRPr lang="zh-TW" altLang="en-US"/>
           </a:p>
@@ -2593,7 +2588,7 @@
           <a:p>
             <a:fld id="{23D87921-ED44-43B8-9701-B55FAE391BA9}" type="datetimeFigureOut">
               <a:rPr lang="zh-TW" altLang="en-US" smtClean="0"/>
-              <a:t>2018/12/19</a:t>
+              <a:t>2018/12/25</a:t>
             </a:fld>
             <a:endParaRPr lang="zh-TW" altLang="en-US"/>
           </a:p>
@@ -2679,9 +2674,7 @@
         </p:style>
         <p:txBody>
           <a:bodyPr rtlCol="0" anchor="ctr"/>
-          <a:lstStyle>
-            <a:extLst/>
-          </a:lstStyle>
+          <a:lstStyle/>
           <a:p>
             <a:pPr algn="ctr" eaLnBrk="1" latinLnBrk="0" hangingPunct="1"/>
             <a:endParaRPr kumimoji="0" lang="en-US"/>
@@ -2726,9 +2719,7 @@
         </p:style>
         <p:txBody>
           <a:bodyPr rtlCol="0" anchor="ctr"/>
-          <a:lstStyle>
-            <a:extLst/>
-          </a:lstStyle>
+          <a:lstStyle/>
           <a:p>
             <a:pPr algn="ctr" eaLnBrk="1" latinLnBrk="0" hangingPunct="1"/>
             <a:endParaRPr kumimoji="0" lang="en-US"/>
@@ -2959,7 +2950,7 @@
           <a:p>
             <a:fld id="{23D87921-ED44-43B8-9701-B55FAE391BA9}" type="datetimeFigureOut">
               <a:rPr lang="zh-TW" altLang="en-US" smtClean="0"/>
-              <a:t>2018/12/19</a:t>
+              <a:t>2018/12/25</a:t>
             </a:fld>
             <a:endParaRPr lang="zh-TW" altLang="en-US"/>
           </a:p>
@@ -3003,9 +2994,7 @@
         </p:style>
         <p:txBody>
           <a:bodyPr rtlCol="0" anchor="ctr"/>
-          <a:lstStyle>
-            <a:extLst/>
-          </a:lstStyle>
+          <a:lstStyle/>
           <a:p>
             <a:pPr algn="ctr" eaLnBrk="1" latinLnBrk="0" hangingPunct="1"/>
             <a:endParaRPr kumimoji="0" lang="en-US"/>
@@ -3050,9 +3039,7 @@
         </p:style>
         <p:txBody>
           <a:bodyPr rtlCol="0" anchor="ctr"/>
-          <a:lstStyle>
-            <a:extLst/>
-          </a:lstStyle>
+          <a:lstStyle/>
           <a:p>
             <a:pPr algn="ctr" eaLnBrk="1" latinLnBrk="0" hangingPunct="1"/>
             <a:endParaRPr kumimoji="0" lang="en-US"/>
@@ -3196,9 +3183,7 @@
         </p:style>
         <p:txBody>
           <a:bodyPr rtlCol="0" anchor="ctr"/>
-          <a:lstStyle>
-            <a:extLst/>
-          </a:lstStyle>
+          <a:lstStyle/>
           <a:p>
             <a:pPr algn="ctr" eaLnBrk="1" latinLnBrk="0" hangingPunct="1"/>
             <a:endParaRPr kumimoji="0" lang="en-US"/>
@@ -3243,9 +3228,7 @@
         </p:style>
         <p:txBody>
           <a:bodyPr rtlCol="0" anchor="ctr"/>
-          <a:lstStyle>
-            <a:extLst/>
-          </a:lstStyle>
+          <a:lstStyle/>
           <a:p>
             <a:pPr algn="ctr" eaLnBrk="1" latinLnBrk="0" hangingPunct="1"/>
             <a:endParaRPr kumimoji="0" lang="en-US"/>
@@ -3284,9 +3267,7 @@
               <a:bevelT w="50800" h="10160"/>
             </a:sp3d>
           </a:bodyPr>
-          <a:lstStyle>
-            <a:extLst/>
-          </a:lstStyle>
+          <a:lstStyle/>
           <a:p>
             <a:r>
               <a:rPr kumimoji="0" lang="zh-TW" altLang="en-US" smtClean="0"/>
@@ -3319,9 +3300,7 @@
           <a:bodyPr vert="horz" lIns="54864" tIns="91440" rtlCol="0">
             <a:normAutofit/>
           </a:bodyPr>
-          <a:lstStyle>
-            <a:extLst/>
-          </a:lstStyle>
+          <a:lstStyle/>
           <a:p>
             <a:pPr lvl="0" eaLnBrk="1" latinLnBrk="0" hangingPunct="1"/>
             <a:r>
@@ -3396,7 +3375,7 @@
           <a:p>
             <a:fld id="{23D87921-ED44-43B8-9701-B55FAE391BA9}" type="datetimeFigureOut">
               <a:rPr lang="zh-TW" altLang="en-US" smtClean="0"/>
-              <a:t>2018/12/19</a:t>
+              <a:t>2018/12/25</a:t>
             </a:fld>
             <a:endParaRPr lang="zh-TW" altLang="en-US"/>
           </a:p>
@@ -3865,6 +3844,1831 @@
 </p:sld>
 </file>
 
+<file path=ppt/slides/slide10.xml><?xml version="1.0" encoding="utf-8"?>
+<p:sld xmlns:a="http://schemas.openxmlformats.org/drawingml/2006/main" xmlns:r="http://schemas.openxmlformats.org/officeDocument/2006/relationships" xmlns:p="http://schemas.openxmlformats.org/presentationml/2006/main">
+  <p:cSld>
+    <p:spTree>
+      <p:nvGrpSpPr>
+        <p:cNvPr id="1" name=""/>
+        <p:cNvGrpSpPr/>
+        <p:nvPr/>
+      </p:nvGrpSpPr>
+      <p:grpSpPr>
+        <a:xfrm>
+          <a:off x="0" y="0"/>
+          <a:ext cx="0" cy="0"/>
+          <a:chOff x="0" y="0"/>
+          <a:chExt cx="0" cy="0"/>
+        </a:xfrm>
+      </p:grpSpPr>
+      <p:sp>
+        <p:nvSpPr>
+          <p:cNvPr id="2" name="標題 1"/>
+          <p:cNvSpPr>
+            <a:spLocks noGrp="1"/>
+          </p:cNvSpPr>
+          <p:nvPr>
+            <p:ph type="title"/>
+          </p:nvPr>
+        </p:nvSpPr>
+        <p:spPr/>
+        <p:txBody>
+          <a:bodyPr/>
+          <a:lstStyle/>
+          <a:p>
+            <a:r>
+              <a:rPr lang="en-US" altLang="zh-TW" dirty="0" err="1" smtClean="0"/>
+              <a:t>Nmap</a:t>
+            </a:r>
+            <a:r>
+              <a:rPr lang="zh-TW" altLang="en-US" dirty="0" smtClean="0"/>
+              <a:t>腳本使</a:t>
+            </a:r>
+            <a:r>
+              <a:rPr lang="zh-TW" altLang="en-US" dirty="0"/>
+              <a:t>用</a:t>
+            </a:r>
+          </a:p>
+        </p:txBody>
+      </p:sp>
+      <p:sp>
+        <p:nvSpPr>
+          <p:cNvPr id="3" name="內容版面配置區 2"/>
+          <p:cNvSpPr>
+            <a:spLocks noGrp="1"/>
+          </p:cNvSpPr>
+          <p:nvPr>
+            <p:ph idx="1"/>
+          </p:nvPr>
+        </p:nvSpPr>
+        <p:spPr/>
+        <p:txBody>
+          <a:bodyPr>
+            <a:normAutofit/>
+          </a:bodyPr>
+          <a:lstStyle/>
+          <a:p>
+            <a:r>
+              <a:rPr lang="en-US" altLang="zh-TW" sz="1800" dirty="0" smtClean="0"/>
+              <a:t>Linux</a:t>
+            </a:r>
+            <a:r>
+              <a:rPr lang="zh-TW" altLang="en-US" sz="1800" dirty="0" smtClean="0"/>
+              <a:t>可以在該目錄查看</a:t>
+            </a:r>
+            <a:r>
+              <a:rPr lang="en-US" altLang="zh-TW" sz="1800" dirty="0" smtClean="0"/>
+              <a:t>:</a:t>
+            </a:r>
+          </a:p>
+          <a:p>
+            <a:endParaRPr lang="en-US" altLang="zh-TW" sz="1800" dirty="0"/>
+          </a:p>
+          <a:p>
+            <a:endParaRPr lang="en-US" altLang="zh-TW" sz="1800" dirty="0" smtClean="0"/>
+          </a:p>
+          <a:p>
+            <a:endParaRPr lang="en-US" altLang="zh-TW" sz="1800" dirty="0"/>
+          </a:p>
+          <a:p>
+            <a:endParaRPr lang="en-US" altLang="zh-TW" sz="1800" dirty="0" smtClean="0"/>
+          </a:p>
+          <a:p>
+            <a:endParaRPr lang="en-US" altLang="zh-TW" sz="1800" dirty="0"/>
+          </a:p>
+          <a:p>
+            <a:endParaRPr lang="en-US" altLang="zh-TW" sz="1800" dirty="0" smtClean="0"/>
+          </a:p>
+          <a:p>
+            <a:endParaRPr lang="en-US" altLang="zh-TW" sz="1800" dirty="0"/>
+          </a:p>
+          <a:p>
+            <a:endParaRPr lang="en-US" altLang="zh-TW" sz="1800" dirty="0" smtClean="0"/>
+          </a:p>
+          <a:p>
+            <a:endParaRPr lang="en-US" altLang="zh-TW" sz="1800" dirty="0"/>
+          </a:p>
+          <a:p>
+            <a:endParaRPr lang="en-US" altLang="zh-TW" sz="1800" dirty="0" smtClean="0"/>
+          </a:p>
+          <a:p>
+            <a:endParaRPr lang="en-US" altLang="zh-TW" sz="1800" dirty="0"/>
+          </a:p>
+          <a:p>
+            <a:r>
+              <a:rPr lang="zh-TW" altLang="en-US" sz="1800" dirty="0"/>
+              <a:t>當前的</a:t>
+            </a:r>
+            <a:r>
+              <a:rPr lang="en-US" altLang="zh-TW" sz="1800" dirty="0" err="1"/>
+              <a:t>Nmap</a:t>
+            </a:r>
+            <a:r>
+              <a:rPr lang="zh-TW" altLang="en-US" sz="1800" dirty="0"/>
+              <a:t>是</a:t>
+            </a:r>
+            <a:r>
+              <a:rPr lang="zh-TW" altLang="en-US" sz="1800" dirty="0" smtClean="0"/>
+              <a:t>有</a:t>
+            </a:r>
+            <a:r>
+              <a:rPr lang="en-US" altLang="zh-TW" sz="1800" dirty="0" smtClean="0"/>
+              <a:t>447</a:t>
+            </a:r>
+            <a:r>
+              <a:rPr lang="zh-TW" altLang="en-US" sz="1800" dirty="0" smtClean="0"/>
+              <a:t>個</a:t>
+            </a:r>
+            <a:r>
+              <a:rPr lang="zh-TW" altLang="en-US" sz="1800" dirty="0"/>
+              <a:t>很使用的漏洞利用、工具腳本</a:t>
+            </a:r>
+            <a:endParaRPr lang="en-US" altLang="zh-TW" sz="1800" dirty="0" smtClean="0"/>
+          </a:p>
+        </p:txBody>
+      </p:sp>
+      <p:sp>
+        <p:nvSpPr>
+          <p:cNvPr id="4" name="文字方塊 3"/>
+          <p:cNvSpPr txBox="1"/>
+          <p:nvPr/>
+        </p:nvSpPr>
+        <p:spPr>
+          <a:xfrm>
+            <a:off x="960808" y="2166252"/>
+            <a:ext cx="7571631" cy="2862322"/>
+          </a:xfrm>
+          <a:prstGeom prst="rect">
+            <a:avLst/>
+          </a:prstGeom>
+          <a:solidFill>
+            <a:schemeClr val="tx2">
+              <a:lumMod val="25000"/>
+              <a:lumOff val="75000"/>
+            </a:schemeClr>
+          </a:solidFill>
+        </p:spPr>
+        <p:txBody>
+          <a:bodyPr wrap="square" rtlCol="0">
+            <a:spAutoFit/>
+          </a:bodyPr>
+          <a:lstStyle/>
+          <a:p>
+            <a:r>
+              <a:rPr lang="en-US" altLang="zh-TW" sz="1200" dirty="0" err="1" smtClean="0">
+                <a:latin typeface="Calibri Light" pitchFamily="34" charset="0"/>
+              </a:rPr>
+              <a:t>root@kali</a:t>
+            </a:r>
+            <a:r>
+              <a:rPr lang="en-US" altLang="zh-TW" sz="1200" dirty="0" smtClean="0">
+                <a:latin typeface="Calibri Light" pitchFamily="34" charset="0"/>
+              </a:rPr>
+              <a:t>:~# </a:t>
+            </a:r>
+            <a:r>
+              <a:rPr lang="en-US" altLang="zh-TW" sz="1200" b="1" dirty="0">
+                <a:solidFill>
+                  <a:srgbClr val="C00000"/>
+                </a:solidFill>
+                <a:latin typeface="Calibri Light" pitchFamily="34" charset="0"/>
+              </a:rPr>
+              <a:t> </a:t>
+            </a:r>
+            <a:r>
+              <a:rPr lang="en-US" altLang="zh-TW" sz="1200" b="1" dirty="0" err="1" smtClean="0">
+                <a:solidFill>
+                  <a:srgbClr val="C00000"/>
+                </a:solidFill>
+                <a:latin typeface="Calibri Light" pitchFamily="34" charset="0"/>
+              </a:rPr>
+              <a:t>ll</a:t>
+            </a:r>
+            <a:r>
+              <a:rPr lang="en-US" altLang="zh-TW" sz="1200" b="1" dirty="0" smtClean="0">
+                <a:solidFill>
+                  <a:srgbClr val="C00000"/>
+                </a:solidFill>
+                <a:latin typeface="Calibri Light" pitchFamily="34" charset="0"/>
+              </a:rPr>
+              <a:t> </a:t>
+            </a:r>
+            <a:r>
+              <a:rPr lang="en-US" altLang="zh-TW" sz="1200" b="1" dirty="0">
+                <a:solidFill>
+                  <a:srgbClr val="C00000"/>
+                </a:solidFill>
+                <a:latin typeface="Calibri Light" pitchFamily="34" charset="0"/>
+              </a:rPr>
+              <a:t>/</a:t>
+            </a:r>
+            <a:r>
+              <a:rPr lang="en-US" altLang="zh-TW" sz="1200" b="1" dirty="0" err="1">
+                <a:solidFill>
+                  <a:srgbClr val="C00000"/>
+                </a:solidFill>
+                <a:latin typeface="Calibri Light" pitchFamily="34" charset="0"/>
+              </a:rPr>
+              <a:t>usr</a:t>
+            </a:r>
+            <a:r>
+              <a:rPr lang="en-US" altLang="zh-TW" sz="1200" b="1" dirty="0">
+                <a:solidFill>
+                  <a:srgbClr val="C00000"/>
+                </a:solidFill>
+                <a:latin typeface="Calibri Light" pitchFamily="34" charset="0"/>
+              </a:rPr>
+              <a:t>/share/</a:t>
+            </a:r>
+            <a:r>
+              <a:rPr lang="en-US" altLang="zh-TW" sz="1200" b="1" dirty="0" err="1">
+                <a:solidFill>
+                  <a:srgbClr val="C00000"/>
+                </a:solidFill>
+                <a:latin typeface="Calibri Light" pitchFamily="34" charset="0"/>
+              </a:rPr>
+              <a:t>nmap</a:t>
+            </a:r>
+            <a:r>
+              <a:rPr lang="en-US" altLang="zh-TW" sz="1200" b="1" dirty="0">
+                <a:solidFill>
+                  <a:srgbClr val="C00000"/>
+                </a:solidFill>
+                <a:latin typeface="Calibri Light" pitchFamily="34" charset="0"/>
+              </a:rPr>
+              <a:t>/scripts</a:t>
+            </a:r>
+            <a:r>
+              <a:rPr lang="en-US" altLang="zh-TW" sz="1200" b="1" dirty="0" smtClean="0">
+                <a:solidFill>
+                  <a:srgbClr val="C00000"/>
+                </a:solidFill>
+                <a:latin typeface="Calibri Light" pitchFamily="34" charset="0"/>
+              </a:rPr>
+              <a:t>/</a:t>
+            </a:r>
+          </a:p>
+          <a:p>
+            <a:r>
+              <a:rPr lang="en-US" altLang="zh-TW" sz="1200" dirty="0">
+                <a:latin typeface="Calibri Light" pitchFamily="34" charset="0"/>
+              </a:rPr>
+              <a:t>total 3468</a:t>
+            </a:r>
+          </a:p>
+          <a:p>
+            <a:r>
+              <a:rPr lang="en-US" altLang="zh-TW" sz="1200" dirty="0">
+                <a:latin typeface="Calibri Light" pitchFamily="34" charset="0"/>
+              </a:rPr>
+              <a:t>-</a:t>
+            </a:r>
+            <a:r>
+              <a:rPr lang="en-US" altLang="zh-TW" sz="1200" dirty="0" err="1">
+                <a:latin typeface="Calibri Light" pitchFamily="34" charset="0"/>
+              </a:rPr>
+              <a:t>rw</a:t>
+            </a:r>
+            <a:r>
+              <a:rPr lang="en-US" altLang="zh-TW" sz="1200" dirty="0">
+                <a:latin typeface="Calibri Light" pitchFamily="34" charset="0"/>
+              </a:rPr>
+              <a:t>-r--r--. 1 root </a:t>
+            </a:r>
+            <a:r>
+              <a:rPr lang="en-US" altLang="zh-TW" sz="1200" dirty="0" err="1">
+                <a:latin typeface="Calibri Light" pitchFamily="34" charset="0"/>
+              </a:rPr>
+              <a:t>root</a:t>
+            </a:r>
+            <a:r>
+              <a:rPr lang="en-US" altLang="zh-TW" sz="1200" dirty="0">
+                <a:latin typeface="Calibri Light" pitchFamily="34" charset="0"/>
+              </a:rPr>
+              <a:t>  3982 Apr 11  2018 </a:t>
+            </a:r>
+            <a:r>
+              <a:rPr lang="en-US" altLang="zh-TW" sz="1200" dirty="0" err="1">
+                <a:latin typeface="Calibri Light" pitchFamily="34" charset="0"/>
+              </a:rPr>
+              <a:t>acarsd-info.nse</a:t>
+            </a:r>
+            <a:endParaRPr lang="en-US" altLang="zh-TW" sz="1200" dirty="0">
+              <a:latin typeface="Calibri Light" pitchFamily="34" charset="0"/>
+            </a:endParaRPr>
+          </a:p>
+          <a:p>
+            <a:r>
+              <a:rPr lang="en-US" altLang="zh-TW" sz="1200" dirty="0">
+                <a:latin typeface="Calibri Light" pitchFamily="34" charset="0"/>
+              </a:rPr>
+              <a:t>-</a:t>
+            </a:r>
+            <a:r>
+              <a:rPr lang="en-US" altLang="zh-TW" sz="1200" dirty="0" err="1">
+                <a:latin typeface="Calibri Light" pitchFamily="34" charset="0"/>
+              </a:rPr>
+              <a:t>rw</a:t>
+            </a:r>
+            <a:r>
+              <a:rPr lang="en-US" altLang="zh-TW" sz="1200" dirty="0">
+                <a:latin typeface="Calibri Light" pitchFamily="34" charset="0"/>
+              </a:rPr>
+              <a:t>-r--r--. 1 root </a:t>
+            </a:r>
+            <a:r>
+              <a:rPr lang="en-US" altLang="zh-TW" sz="1200" dirty="0" err="1">
+                <a:latin typeface="Calibri Light" pitchFamily="34" charset="0"/>
+              </a:rPr>
+              <a:t>root</a:t>
+            </a:r>
+            <a:r>
+              <a:rPr lang="en-US" altLang="zh-TW" sz="1200" dirty="0">
+                <a:latin typeface="Calibri Light" pitchFamily="34" charset="0"/>
+              </a:rPr>
+              <a:t>  8708 Apr 11  2018 address-</a:t>
+            </a:r>
+            <a:r>
+              <a:rPr lang="en-US" altLang="zh-TW" sz="1200" dirty="0" err="1">
+                <a:latin typeface="Calibri Light" pitchFamily="34" charset="0"/>
+              </a:rPr>
+              <a:t>info.nse</a:t>
+            </a:r>
+            <a:endParaRPr lang="en-US" altLang="zh-TW" sz="1200" dirty="0">
+              <a:latin typeface="Calibri Light" pitchFamily="34" charset="0"/>
+            </a:endParaRPr>
+          </a:p>
+          <a:p>
+            <a:r>
+              <a:rPr lang="en-US" altLang="zh-TW" sz="1200" dirty="0">
+                <a:latin typeface="Calibri Light" pitchFamily="34" charset="0"/>
+              </a:rPr>
+              <a:t>-</a:t>
+            </a:r>
+            <a:r>
+              <a:rPr lang="en-US" altLang="zh-TW" sz="1200" dirty="0" err="1">
+                <a:latin typeface="Calibri Light" pitchFamily="34" charset="0"/>
+              </a:rPr>
+              <a:t>rw</a:t>
+            </a:r>
+            <a:r>
+              <a:rPr lang="en-US" altLang="zh-TW" sz="1200" dirty="0">
+                <a:latin typeface="Calibri Light" pitchFamily="34" charset="0"/>
+              </a:rPr>
+              <a:t>-r--r--. 1 root </a:t>
+            </a:r>
+            <a:r>
+              <a:rPr lang="en-US" altLang="zh-TW" sz="1200" dirty="0" err="1">
+                <a:latin typeface="Calibri Light" pitchFamily="34" charset="0"/>
+              </a:rPr>
+              <a:t>root</a:t>
+            </a:r>
+            <a:r>
+              <a:rPr lang="en-US" altLang="zh-TW" sz="1200" dirty="0">
+                <a:latin typeface="Calibri Light" pitchFamily="34" charset="0"/>
+              </a:rPr>
+              <a:t>  3247 Apr 11  2018 </a:t>
+            </a:r>
+            <a:r>
+              <a:rPr lang="en-US" altLang="zh-TW" sz="1200" dirty="0" err="1">
+                <a:latin typeface="Calibri Light" pitchFamily="34" charset="0"/>
+              </a:rPr>
+              <a:t>afp-brute.nse</a:t>
+            </a:r>
+            <a:endParaRPr lang="en-US" altLang="zh-TW" sz="1200" dirty="0">
+              <a:latin typeface="Calibri Light" pitchFamily="34" charset="0"/>
+            </a:endParaRPr>
+          </a:p>
+          <a:p>
+            <a:r>
+              <a:rPr lang="en-US" altLang="zh-TW" sz="1200" dirty="0">
+                <a:latin typeface="Calibri Light" pitchFamily="34" charset="0"/>
+              </a:rPr>
+              <a:t>-</a:t>
+            </a:r>
+            <a:r>
+              <a:rPr lang="en-US" altLang="zh-TW" sz="1200" dirty="0" err="1">
+                <a:latin typeface="Calibri Light" pitchFamily="34" charset="0"/>
+              </a:rPr>
+              <a:t>rw</a:t>
+            </a:r>
+            <a:r>
+              <a:rPr lang="en-US" altLang="zh-TW" sz="1200" dirty="0">
+                <a:latin typeface="Calibri Light" pitchFamily="34" charset="0"/>
+              </a:rPr>
+              <a:t>-r--r--. 1 root </a:t>
+            </a:r>
+            <a:r>
+              <a:rPr lang="en-US" altLang="zh-TW" sz="1200" dirty="0" err="1">
+                <a:latin typeface="Calibri Light" pitchFamily="34" charset="0"/>
+              </a:rPr>
+              <a:t>root</a:t>
+            </a:r>
+            <a:r>
+              <a:rPr lang="en-US" altLang="zh-TW" sz="1200" dirty="0">
+                <a:latin typeface="Calibri Light" pitchFamily="34" charset="0"/>
+              </a:rPr>
+              <a:t>  5748 Apr 11  2018 </a:t>
+            </a:r>
+            <a:r>
+              <a:rPr lang="en-US" altLang="zh-TW" sz="1200" dirty="0" err="1">
+                <a:latin typeface="Calibri Light" pitchFamily="34" charset="0"/>
+              </a:rPr>
+              <a:t>afp-ls.nse</a:t>
+            </a:r>
+            <a:endParaRPr lang="en-US" altLang="zh-TW" sz="1200" dirty="0">
+              <a:latin typeface="Calibri Light" pitchFamily="34" charset="0"/>
+            </a:endParaRPr>
+          </a:p>
+          <a:p>
+            <a:r>
+              <a:rPr lang="en-US" altLang="zh-TW" sz="1200" dirty="0">
+                <a:latin typeface="Calibri Light" pitchFamily="34" charset="0"/>
+              </a:rPr>
+              <a:t>-</a:t>
+            </a:r>
+            <a:r>
+              <a:rPr lang="en-US" altLang="zh-TW" sz="1200" dirty="0" err="1">
+                <a:latin typeface="Calibri Light" pitchFamily="34" charset="0"/>
+              </a:rPr>
+              <a:t>rw</a:t>
+            </a:r>
+            <a:r>
+              <a:rPr lang="en-US" altLang="zh-TW" sz="1200" dirty="0">
+                <a:latin typeface="Calibri Light" pitchFamily="34" charset="0"/>
+              </a:rPr>
+              <a:t>-r--r--. 1 root </a:t>
+            </a:r>
+            <a:r>
+              <a:rPr lang="en-US" altLang="zh-TW" sz="1200" dirty="0" err="1">
+                <a:latin typeface="Calibri Light" pitchFamily="34" charset="0"/>
+              </a:rPr>
+              <a:t>root</a:t>
+            </a:r>
+            <a:r>
+              <a:rPr lang="en-US" altLang="zh-TW" sz="1200" dirty="0">
+                <a:latin typeface="Calibri Light" pitchFamily="34" charset="0"/>
+              </a:rPr>
+              <a:t>  6960 Apr 11  2018 </a:t>
+            </a:r>
+            <a:r>
+              <a:rPr lang="en-US" altLang="zh-TW" sz="1200" dirty="0" err="1">
+                <a:latin typeface="Calibri Light" pitchFamily="34" charset="0"/>
+              </a:rPr>
+              <a:t>afp</a:t>
+            </a:r>
+            <a:r>
+              <a:rPr lang="en-US" altLang="zh-TW" sz="1200" dirty="0">
+                <a:latin typeface="Calibri Light" pitchFamily="34" charset="0"/>
+              </a:rPr>
+              <a:t>-path-</a:t>
+            </a:r>
+            <a:r>
+              <a:rPr lang="en-US" altLang="zh-TW" sz="1200" dirty="0" err="1">
+                <a:latin typeface="Calibri Light" pitchFamily="34" charset="0"/>
+              </a:rPr>
+              <a:t>vuln.nse</a:t>
+            </a:r>
+            <a:endParaRPr lang="en-US" altLang="zh-TW" sz="1200" dirty="0">
+              <a:latin typeface="Calibri Light" pitchFamily="34" charset="0"/>
+            </a:endParaRPr>
+          </a:p>
+          <a:p>
+            <a:r>
+              <a:rPr lang="en-US" altLang="zh-TW" sz="1200" dirty="0">
+                <a:latin typeface="Calibri Light" pitchFamily="34" charset="0"/>
+              </a:rPr>
+              <a:t>-</a:t>
+            </a:r>
+            <a:r>
+              <a:rPr lang="en-US" altLang="zh-TW" sz="1200" dirty="0" err="1">
+                <a:latin typeface="Calibri Light" pitchFamily="34" charset="0"/>
+              </a:rPr>
+              <a:t>rw</a:t>
+            </a:r>
+            <a:r>
+              <a:rPr lang="en-US" altLang="zh-TW" sz="1200" dirty="0">
+                <a:latin typeface="Calibri Light" pitchFamily="34" charset="0"/>
+              </a:rPr>
+              <a:t>-r--r--. 1 root </a:t>
+            </a:r>
+            <a:r>
+              <a:rPr lang="en-US" altLang="zh-TW" sz="1200" dirty="0" err="1">
+                <a:latin typeface="Calibri Light" pitchFamily="34" charset="0"/>
+              </a:rPr>
+              <a:t>root</a:t>
+            </a:r>
+            <a:r>
+              <a:rPr lang="en-US" altLang="zh-TW" sz="1200" dirty="0">
+                <a:latin typeface="Calibri Light" pitchFamily="34" charset="0"/>
+              </a:rPr>
+              <a:t>  5521 Apr 11  2018 </a:t>
+            </a:r>
+            <a:r>
+              <a:rPr lang="en-US" altLang="zh-TW" sz="1200" dirty="0" err="1">
+                <a:latin typeface="Calibri Light" pitchFamily="34" charset="0"/>
+              </a:rPr>
+              <a:t>afp-serverinfo.nse</a:t>
+            </a:r>
+            <a:endParaRPr lang="en-US" altLang="zh-TW" sz="1200" dirty="0">
+              <a:latin typeface="Calibri Light" pitchFamily="34" charset="0"/>
+            </a:endParaRPr>
+          </a:p>
+          <a:p>
+            <a:r>
+              <a:rPr lang="en-US" altLang="zh-TW" sz="1200" dirty="0">
+                <a:latin typeface="Calibri Light" pitchFamily="34" charset="0"/>
+              </a:rPr>
+              <a:t>-</a:t>
+            </a:r>
+            <a:r>
+              <a:rPr lang="en-US" altLang="zh-TW" sz="1200" dirty="0" err="1">
+                <a:latin typeface="Calibri Light" pitchFamily="34" charset="0"/>
+              </a:rPr>
+              <a:t>rw</a:t>
+            </a:r>
+            <a:r>
+              <a:rPr lang="en-US" altLang="zh-TW" sz="1200" dirty="0">
+                <a:latin typeface="Calibri Light" pitchFamily="34" charset="0"/>
+              </a:rPr>
+              <a:t>-r--r--. 1 root </a:t>
+            </a:r>
+            <a:r>
+              <a:rPr lang="en-US" altLang="zh-TW" sz="1200" dirty="0" err="1">
+                <a:latin typeface="Calibri Light" pitchFamily="34" charset="0"/>
+              </a:rPr>
+              <a:t>root</a:t>
+            </a:r>
+            <a:r>
+              <a:rPr lang="en-US" altLang="zh-TW" sz="1200" dirty="0">
+                <a:latin typeface="Calibri Light" pitchFamily="34" charset="0"/>
+              </a:rPr>
+              <a:t>  2574 Apr 11  2018 </a:t>
+            </a:r>
+            <a:r>
+              <a:rPr lang="en-US" altLang="zh-TW" sz="1200" dirty="0" err="1">
+                <a:latin typeface="Calibri Light" pitchFamily="34" charset="0"/>
+              </a:rPr>
+              <a:t>afp-showmount.nse</a:t>
+            </a:r>
+            <a:endParaRPr lang="en-US" altLang="zh-TW" sz="1200" dirty="0">
+              <a:latin typeface="Calibri Light" pitchFamily="34" charset="0"/>
+            </a:endParaRPr>
+          </a:p>
+          <a:p>
+            <a:r>
+              <a:rPr lang="en-US" altLang="zh-TW" sz="1200" dirty="0">
+                <a:latin typeface="Calibri Light" pitchFamily="34" charset="0"/>
+              </a:rPr>
+              <a:t>-</a:t>
+            </a:r>
+            <a:r>
+              <a:rPr lang="en-US" altLang="zh-TW" sz="1200" dirty="0" err="1">
+                <a:latin typeface="Calibri Light" pitchFamily="34" charset="0"/>
+              </a:rPr>
+              <a:t>rw</a:t>
+            </a:r>
+            <a:r>
+              <a:rPr lang="en-US" altLang="zh-TW" sz="1200" dirty="0">
+                <a:latin typeface="Calibri Light" pitchFamily="34" charset="0"/>
+              </a:rPr>
+              <a:t>-r--r--. 1 root </a:t>
+            </a:r>
+            <a:r>
+              <a:rPr lang="en-US" altLang="zh-TW" sz="1200" dirty="0" err="1">
+                <a:latin typeface="Calibri Light" pitchFamily="34" charset="0"/>
+              </a:rPr>
+              <a:t>root</a:t>
+            </a:r>
+            <a:r>
+              <a:rPr lang="en-US" altLang="zh-TW" sz="1200" dirty="0">
+                <a:latin typeface="Calibri Light" pitchFamily="34" charset="0"/>
+              </a:rPr>
+              <a:t>  2274 Apr 11  2018 </a:t>
+            </a:r>
+            <a:r>
+              <a:rPr lang="en-US" altLang="zh-TW" sz="1200" dirty="0" err="1">
+                <a:latin typeface="Calibri Light" pitchFamily="34" charset="0"/>
+              </a:rPr>
+              <a:t>ajp-auth.nse</a:t>
+            </a:r>
+            <a:endParaRPr lang="en-US" altLang="zh-TW" sz="1200" dirty="0">
+              <a:latin typeface="Calibri Light" pitchFamily="34" charset="0"/>
+            </a:endParaRPr>
+          </a:p>
+          <a:p>
+            <a:r>
+              <a:rPr lang="en-US" altLang="zh-TW" sz="1200" dirty="0">
+                <a:latin typeface="Calibri Light" pitchFamily="34" charset="0"/>
+              </a:rPr>
+              <a:t>-</a:t>
+            </a:r>
+            <a:r>
+              <a:rPr lang="en-US" altLang="zh-TW" sz="1200" dirty="0" err="1">
+                <a:latin typeface="Calibri Light" pitchFamily="34" charset="0"/>
+              </a:rPr>
+              <a:t>rw</a:t>
+            </a:r>
+            <a:r>
+              <a:rPr lang="en-US" altLang="zh-TW" sz="1200" dirty="0">
+                <a:latin typeface="Calibri Light" pitchFamily="34" charset="0"/>
+              </a:rPr>
+              <a:t>-r--r--. 1 root </a:t>
+            </a:r>
+            <a:r>
+              <a:rPr lang="en-US" altLang="zh-TW" sz="1200" dirty="0" err="1">
+                <a:latin typeface="Calibri Light" pitchFamily="34" charset="0"/>
+              </a:rPr>
+              <a:t>root</a:t>
+            </a:r>
+            <a:r>
+              <a:rPr lang="en-US" altLang="zh-TW" sz="1200" dirty="0">
+                <a:latin typeface="Calibri Light" pitchFamily="34" charset="0"/>
+              </a:rPr>
+              <a:t>  2837 Apr 11  2018 </a:t>
+            </a:r>
+            <a:r>
+              <a:rPr lang="en-US" altLang="zh-TW" sz="1200" dirty="0" err="1">
+                <a:latin typeface="Calibri Light" pitchFamily="34" charset="0"/>
+              </a:rPr>
+              <a:t>ajp-brute.nse</a:t>
+            </a:r>
+            <a:endParaRPr lang="en-US" altLang="zh-TW" sz="1200" dirty="0">
+              <a:latin typeface="Calibri Light" pitchFamily="34" charset="0"/>
+            </a:endParaRPr>
+          </a:p>
+          <a:p>
+            <a:r>
+              <a:rPr lang="en-US" altLang="zh-TW" sz="1200" dirty="0">
+                <a:latin typeface="Calibri Light" pitchFamily="34" charset="0"/>
+              </a:rPr>
+              <a:t>-</a:t>
+            </a:r>
+            <a:r>
+              <a:rPr lang="en-US" altLang="zh-TW" sz="1200" dirty="0" err="1">
+                <a:latin typeface="Calibri Light" pitchFamily="34" charset="0"/>
+              </a:rPr>
+              <a:t>rw</a:t>
+            </a:r>
+            <a:r>
+              <a:rPr lang="en-US" altLang="zh-TW" sz="1200" dirty="0">
+                <a:latin typeface="Calibri Light" pitchFamily="34" charset="0"/>
+              </a:rPr>
+              <a:t>-r--r--. 1 root </a:t>
+            </a:r>
+            <a:r>
+              <a:rPr lang="en-US" altLang="zh-TW" sz="1200" dirty="0" err="1">
+                <a:latin typeface="Calibri Light" pitchFamily="34" charset="0"/>
+              </a:rPr>
+              <a:t>root</a:t>
+            </a:r>
+            <a:r>
+              <a:rPr lang="en-US" altLang="zh-TW" sz="1200" dirty="0">
+                <a:latin typeface="Calibri Light" pitchFamily="34" charset="0"/>
+              </a:rPr>
+              <a:t>  1371 Apr 11  2018 </a:t>
+            </a:r>
+            <a:r>
+              <a:rPr lang="en-US" altLang="zh-TW" sz="1200" dirty="0" err="1">
+                <a:latin typeface="Calibri Light" pitchFamily="34" charset="0"/>
+              </a:rPr>
+              <a:t>ajp-headers.nse</a:t>
+            </a:r>
+            <a:endParaRPr lang="en-US" altLang="zh-TW" sz="1200" dirty="0">
+              <a:latin typeface="Calibri Light" pitchFamily="34" charset="0"/>
+            </a:endParaRPr>
+          </a:p>
+          <a:p>
+            <a:r>
+              <a:rPr lang="en-US" altLang="zh-TW" sz="1200" dirty="0">
+                <a:latin typeface="Calibri Light" pitchFamily="34" charset="0"/>
+              </a:rPr>
+              <a:t>-</a:t>
+            </a:r>
+            <a:r>
+              <a:rPr lang="en-US" altLang="zh-TW" sz="1200" dirty="0" err="1">
+                <a:latin typeface="Calibri Light" pitchFamily="34" charset="0"/>
+              </a:rPr>
+              <a:t>rw</a:t>
+            </a:r>
+            <a:r>
+              <a:rPr lang="en-US" altLang="zh-TW" sz="1200" dirty="0">
+                <a:latin typeface="Calibri Light" pitchFamily="34" charset="0"/>
+              </a:rPr>
+              <a:t>-r--r--. 1 root </a:t>
+            </a:r>
+            <a:r>
+              <a:rPr lang="en-US" altLang="zh-TW" sz="1200" dirty="0" err="1">
+                <a:latin typeface="Calibri Light" pitchFamily="34" charset="0"/>
+              </a:rPr>
+              <a:t>root</a:t>
+            </a:r>
+            <a:r>
+              <a:rPr lang="en-US" altLang="zh-TW" sz="1200" dirty="0">
+                <a:latin typeface="Calibri Light" pitchFamily="34" charset="0"/>
+              </a:rPr>
+              <a:t>  2642 Apr 11  2018 </a:t>
+            </a:r>
+            <a:r>
+              <a:rPr lang="en-US" altLang="zh-TW" sz="1200" dirty="0" err="1">
+                <a:latin typeface="Calibri Light" pitchFamily="34" charset="0"/>
+              </a:rPr>
+              <a:t>ajp-methods.nse</a:t>
+            </a:r>
+            <a:endParaRPr lang="en-US" altLang="zh-TW" sz="1200" dirty="0">
+              <a:latin typeface="Calibri Light" pitchFamily="34" charset="0"/>
+            </a:endParaRPr>
+          </a:p>
+          <a:p>
+            <a:r>
+              <a:rPr lang="en-US" altLang="zh-TW" sz="1200" dirty="0">
+                <a:latin typeface="Calibri Light" pitchFamily="34" charset="0"/>
+              </a:rPr>
+              <a:t>-</a:t>
+            </a:r>
+            <a:r>
+              <a:rPr lang="en-US" altLang="zh-TW" sz="1200" dirty="0" err="1">
+                <a:latin typeface="Calibri Light" pitchFamily="34" charset="0"/>
+              </a:rPr>
+              <a:t>rw</a:t>
+            </a:r>
+            <a:r>
+              <a:rPr lang="en-US" altLang="zh-TW" sz="1200" dirty="0">
+                <a:latin typeface="Calibri Light" pitchFamily="34" charset="0"/>
+              </a:rPr>
+              <a:t>-r--r--. 1 root </a:t>
+            </a:r>
+            <a:r>
+              <a:rPr lang="en-US" altLang="zh-TW" sz="1200" dirty="0" err="1">
+                <a:latin typeface="Calibri Light" pitchFamily="34" charset="0"/>
+              </a:rPr>
+              <a:t>root</a:t>
+            </a:r>
+            <a:r>
+              <a:rPr lang="en-US" altLang="zh-TW" sz="1200" dirty="0">
+                <a:latin typeface="Calibri Light" pitchFamily="34" charset="0"/>
+              </a:rPr>
+              <a:t>  2970 Apr 11  2018 </a:t>
+            </a:r>
+            <a:r>
+              <a:rPr lang="en-US" altLang="zh-TW" sz="1200" dirty="0" err="1">
+                <a:latin typeface="Calibri Light" pitchFamily="34" charset="0"/>
+              </a:rPr>
+              <a:t>ajp-request.nse</a:t>
+            </a:r>
+            <a:endParaRPr lang="en-US" altLang="zh-TW" sz="1200" dirty="0">
+              <a:latin typeface="Calibri Light" pitchFamily="34" charset="0"/>
+            </a:endParaRPr>
+          </a:p>
+          <a:p>
+            <a:r>
+              <a:rPr lang="en-US" altLang="zh-TW" sz="1200" dirty="0">
+                <a:latin typeface="Calibri Light" pitchFamily="34" charset="0"/>
+              </a:rPr>
+              <a:t>-</a:t>
+            </a:r>
+            <a:r>
+              <a:rPr lang="en-US" altLang="zh-TW" sz="1200" dirty="0" err="1">
+                <a:latin typeface="Calibri Light" pitchFamily="34" charset="0"/>
+              </a:rPr>
+              <a:t>rw</a:t>
+            </a:r>
+            <a:r>
+              <a:rPr lang="en-US" altLang="zh-TW" sz="1200" dirty="0">
+                <a:latin typeface="Calibri Light" pitchFamily="34" charset="0"/>
+              </a:rPr>
+              <a:t>-r--r--. 1 root </a:t>
+            </a:r>
+            <a:r>
+              <a:rPr lang="en-US" altLang="zh-TW" sz="1200" dirty="0" err="1">
+                <a:latin typeface="Calibri Light" pitchFamily="34" charset="0"/>
+              </a:rPr>
+              <a:t>root</a:t>
+            </a:r>
+            <a:r>
+              <a:rPr lang="en-US" altLang="zh-TW" sz="1200" dirty="0">
+                <a:latin typeface="Calibri Light" pitchFamily="34" charset="0"/>
+              </a:rPr>
+              <a:t>  1784 Apr 11  2018 </a:t>
+            </a:r>
+            <a:r>
+              <a:rPr lang="en-US" altLang="zh-TW" sz="1200" dirty="0" err="1">
+                <a:latin typeface="Calibri Light" pitchFamily="34" charset="0"/>
+              </a:rPr>
+              <a:t>amqp-info.nse</a:t>
+            </a:r>
+            <a:endParaRPr lang="en-US" altLang="zh-TW" sz="1200" dirty="0">
+              <a:latin typeface="Calibri Light" pitchFamily="34" charset="0"/>
+            </a:endParaRPr>
+          </a:p>
+        </p:txBody>
+      </p:sp>
+    </p:spTree>
+    <p:extLst>
+      <p:ext uri="{BB962C8B-B14F-4D97-AF65-F5344CB8AC3E}">
+        <p14:creationId xmlns:p14="http://schemas.microsoft.com/office/powerpoint/2010/main" val="3231082495"/>
+      </p:ext>
+    </p:extLst>
+  </p:cSld>
+  <p:clrMapOvr>
+    <a:masterClrMapping/>
+  </p:clrMapOvr>
+</p:sld>
+</file>
+
+<file path=ppt/slides/slide11.xml><?xml version="1.0" encoding="utf-8"?>
+<p:sld xmlns:a="http://schemas.openxmlformats.org/drawingml/2006/main" xmlns:r="http://schemas.openxmlformats.org/officeDocument/2006/relationships" xmlns:p="http://schemas.openxmlformats.org/presentationml/2006/main">
+  <p:cSld>
+    <p:spTree>
+      <p:nvGrpSpPr>
+        <p:cNvPr id="1" name=""/>
+        <p:cNvGrpSpPr/>
+        <p:nvPr/>
+      </p:nvGrpSpPr>
+      <p:grpSpPr>
+        <a:xfrm>
+          <a:off x="0" y="0"/>
+          <a:ext cx="0" cy="0"/>
+          <a:chOff x="0" y="0"/>
+          <a:chExt cx="0" cy="0"/>
+        </a:xfrm>
+      </p:grpSpPr>
+      <p:sp>
+        <p:nvSpPr>
+          <p:cNvPr id="2" name="標題 1"/>
+          <p:cNvSpPr>
+            <a:spLocks noGrp="1"/>
+          </p:cNvSpPr>
+          <p:nvPr>
+            <p:ph type="title"/>
+          </p:nvPr>
+        </p:nvSpPr>
+        <p:spPr/>
+        <p:txBody>
+          <a:bodyPr/>
+          <a:lstStyle/>
+          <a:p>
+            <a:r>
+              <a:rPr lang="en-US" altLang="zh-TW" dirty="0" err="1" smtClean="0"/>
+              <a:t>Nmap</a:t>
+            </a:r>
+            <a:r>
+              <a:rPr lang="zh-TW" altLang="en-US" dirty="0" smtClean="0"/>
+              <a:t>腳本使</a:t>
+            </a:r>
+            <a:r>
+              <a:rPr lang="zh-TW" altLang="en-US" dirty="0"/>
+              <a:t>用</a:t>
+            </a:r>
+          </a:p>
+        </p:txBody>
+      </p:sp>
+      <p:sp>
+        <p:nvSpPr>
+          <p:cNvPr id="3" name="內容版面配置區 2"/>
+          <p:cNvSpPr>
+            <a:spLocks noGrp="1"/>
+          </p:cNvSpPr>
+          <p:nvPr>
+            <p:ph idx="1"/>
+          </p:nvPr>
+        </p:nvSpPr>
+        <p:spPr/>
+        <p:txBody>
+          <a:bodyPr>
+            <a:normAutofit/>
+          </a:bodyPr>
+          <a:lstStyle/>
+          <a:p>
+            <a:r>
+              <a:rPr lang="zh-TW" altLang="en-US" sz="1800" dirty="0" smtClean="0"/>
+              <a:t>測試透過腳本檢測網頁的標頭</a:t>
+            </a:r>
+            <a:r>
+              <a:rPr lang="en-US" altLang="zh-TW" sz="1800" dirty="0" smtClean="0"/>
+              <a:t>:</a:t>
+            </a:r>
+          </a:p>
+          <a:p>
+            <a:r>
+              <a:rPr lang="zh-TW" altLang="en-US" sz="1800" dirty="0"/>
+              <a:t>從</a:t>
+            </a:r>
+            <a:r>
+              <a:rPr lang="en-US" altLang="zh-TW" sz="1800" dirty="0"/>
+              <a:t>Web</a:t>
+            </a:r>
+            <a:r>
+              <a:rPr lang="zh-TW" altLang="en-US" sz="1800" dirty="0"/>
+              <a:t>服務器找到網頁標題並不困難，這個腳本可以更容易地從一系列</a:t>
+            </a:r>
+            <a:r>
+              <a:rPr lang="en-US" altLang="zh-TW" sz="1800" dirty="0"/>
+              <a:t>IP</a:t>
+            </a:r>
+            <a:r>
+              <a:rPr lang="zh-TW" altLang="en-US" sz="1800" dirty="0"/>
+              <a:t>地址的一組結果中獲取這些標題。</a:t>
+            </a:r>
+          </a:p>
+          <a:p>
+            <a:endParaRPr lang="zh-TW" altLang="en-US" sz="1800" dirty="0"/>
+          </a:p>
+          <a:p>
+            <a:r>
+              <a:rPr lang="zh-TW" altLang="en-US" sz="1800" dirty="0"/>
+              <a:t>擁有</a:t>
+            </a:r>
+            <a:r>
+              <a:rPr lang="en-US" altLang="zh-TW" sz="1800" dirty="0" err="1"/>
+              <a:t>Nmap</a:t>
+            </a:r>
+            <a:r>
+              <a:rPr lang="zh-TW" altLang="en-US" sz="1800" dirty="0"/>
+              <a:t>掃描結果中包含的頁面標題可以為主機提供上下文，這可以標識</a:t>
+            </a:r>
+            <a:r>
+              <a:rPr lang="en-US" altLang="zh-TW" sz="1800" dirty="0"/>
+              <a:t>Web</a:t>
+            </a:r>
+            <a:r>
+              <a:rPr lang="zh-TW" altLang="en-US" sz="1800" dirty="0"/>
+              <a:t>服務器的主要目的以及該服務器是否是潛在的攻擊目標</a:t>
+            </a:r>
+            <a:endParaRPr lang="en-US" altLang="zh-TW" sz="1800" dirty="0" smtClean="0"/>
+          </a:p>
+          <a:p>
+            <a:endParaRPr lang="en-US" altLang="zh-TW" sz="1800" dirty="0"/>
+          </a:p>
+          <a:p>
+            <a:endParaRPr lang="en-US" altLang="zh-TW" sz="1800" dirty="0" smtClean="0"/>
+          </a:p>
+          <a:p>
+            <a:endParaRPr lang="en-US" altLang="zh-TW" sz="1800" dirty="0"/>
+          </a:p>
+          <a:p>
+            <a:endParaRPr lang="en-US" altLang="zh-TW" sz="1800" dirty="0" smtClean="0"/>
+          </a:p>
+          <a:p>
+            <a:endParaRPr lang="en-US" altLang="zh-TW" sz="1800" dirty="0"/>
+          </a:p>
+          <a:p>
+            <a:endParaRPr lang="en-US" altLang="zh-TW" sz="1800" dirty="0" smtClean="0"/>
+          </a:p>
+          <a:p>
+            <a:endParaRPr lang="en-US" altLang="zh-TW" sz="1800" dirty="0"/>
+          </a:p>
+          <a:p>
+            <a:endParaRPr lang="en-US" altLang="zh-TW" sz="1800" dirty="0" smtClean="0"/>
+          </a:p>
+          <a:p>
+            <a:r>
+              <a:rPr lang="zh-TW" altLang="en-US" sz="1800" dirty="0" smtClean="0"/>
+              <a:t>得知目前的網站服務版本與網頁標頭</a:t>
+            </a:r>
+            <a:endParaRPr lang="en-US" altLang="zh-TW" sz="1800" dirty="0"/>
+          </a:p>
+        </p:txBody>
+      </p:sp>
+      <p:sp>
+        <p:nvSpPr>
+          <p:cNvPr id="4" name="文字方塊 3"/>
+          <p:cNvSpPr txBox="1"/>
+          <p:nvPr/>
+        </p:nvSpPr>
+        <p:spPr>
+          <a:xfrm>
+            <a:off x="960808" y="3501008"/>
+            <a:ext cx="7571631" cy="2123658"/>
+          </a:xfrm>
+          <a:prstGeom prst="rect">
+            <a:avLst/>
+          </a:prstGeom>
+          <a:solidFill>
+            <a:schemeClr val="tx2">
+              <a:lumMod val="25000"/>
+              <a:lumOff val="75000"/>
+            </a:schemeClr>
+          </a:solidFill>
+        </p:spPr>
+        <p:txBody>
+          <a:bodyPr wrap="square" rtlCol="0">
+            <a:spAutoFit/>
+          </a:bodyPr>
+          <a:lstStyle/>
+          <a:p>
+            <a:r>
+              <a:rPr lang="en-US" altLang="zh-TW" sz="1200" dirty="0" err="1" smtClean="0">
+                <a:latin typeface="Calibri Light" pitchFamily="34" charset="0"/>
+              </a:rPr>
+              <a:t>root@kali</a:t>
+            </a:r>
+            <a:r>
+              <a:rPr lang="en-US" altLang="zh-TW" sz="1200" dirty="0" smtClean="0">
+                <a:latin typeface="Calibri Light" pitchFamily="34" charset="0"/>
+              </a:rPr>
+              <a:t>:~# </a:t>
+            </a:r>
+            <a:r>
+              <a:rPr lang="en-US" altLang="zh-TW" sz="1200" b="1" dirty="0">
+                <a:solidFill>
+                  <a:srgbClr val="C00000"/>
+                </a:solidFill>
+                <a:latin typeface="Calibri Light" pitchFamily="34" charset="0"/>
+              </a:rPr>
+              <a:t>  </a:t>
+            </a:r>
+            <a:r>
+              <a:rPr lang="en-US" altLang="zh-TW" sz="1200" b="1" dirty="0" err="1">
+                <a:solidFill>
+                  <a:srgbClr val="C00000"/>
+                </a:solidFill>
+                <a:latin typeface="Calibri Light" pitchFamily="34" charset="0"/>
+              </a:rPr>
+              <a:t>nmap</a:t>
+            </a:r>
+            <a:r>
+              <a:rPr lang="en-US" altLang="zh-TW" sz="1200" b="1" dirty="0">
+                <a:solidFill>
+                  <a:srgbClr val="C00000"/>
+                </a:solidFill>
+                <a:latin typeface="Calibri Light" pitchFamily="34" charset="0"/>
+              </a:rPr>
+              <a:t> --script http-title -</a:t>
+            </a:r>
+            <a:r>
+              <a:rPr lang="en-US" altLang="zh-TW" sz="1200" b="1" dirty="0" err="1">
+                <a:solidFill>
+                  <a:srgbClr val="C00000"/>
+                </a:solidFill>
+                <a:latin typeface="Calibri Light" pitchFamily="34" charset="0"/>
+              </a:rPr>
+              <a:t>sV</a:t>
+            </a:r>
+            <a:r>
+              <a:rPr lang="en-US" altLang="zh-TW" sz="1200" b="1" dirty="0">
+                <a:solidFill>
+                  <a:srgbClr val="C00000"/>
+                </a:solidFill>
+                <a:latin typeface="Calibri Light" pitchFamily="34" charset="0"/>
+              </a:rPr>
+              <a:t> -p 80 </a:t>
+            </a:r>
+            <a:r>
+              <a:rPr lang="en-US" altLang="zh-TW" sz="1200" b="1" dirty="0" smtClean="0">
+                <a:solidFill>
+                  <a:srgbClr val="C00000"/>
+                </a:solidFill>
+                <a:latin typeface="Calibri Light" pitchFamily="34" charset="0"/>
+              </a:rPr>
+              <a:t>172.22.0.1</a:t>
+            </a:r>
+            <a:endParaRPr lang="en-US" altLang="zh-TW" sz="1200" b="1" dirty="0">
+              <a:solidFill>
+                <a:srgbClr val="C00000"/>
+              </a:solidFill>
+              <a:latin typeface="Calibri Light" pitchFamily="34" charset="0"/>
+            </a:endParaRPr>
+          </a:p>
+          <a:p>
+            <a:r>
+              <a:rPr lang="en-US" altLang="zh-TW" sz="1200" dirty="0">
+                <a:latin typeface="Calibri Light" pitchFamily="34" charset="0"/>
+              </a:rPr>
+              <a:t>Starting </a:t>
+            </a:r>
+            <a:r>
+              <a:rPr lang="en-US" altLang="zh-TW" sz="1200" dirty="0" err="1">
+                <a:latin typeface="Calibri Light" pitchFamily="34" charset="0"/>
+              </a:rPr>
+              <a:t>Nmap</a:t>
+            </a:r>
+            <a:r>
+              <a:rPr lang="en-US" altLang="zh-TW" sz="1200" dirty="0">
+                <a:latin typeface="Calibri Light" pitchFamily="34" charset="0"/>
+              </a:rPr>
+              <a:t> 6.40 ( http://nmap.org ) at 2018-12-25 23:58 CST</a:t>
+            </a:r>
+          </a:p>
+          <a:p>
+            <a:r>
+              <a:rPr lang="en-US" altLang="zh-TW" sz="1200" dirty="0" err="1">
+                <a:latin typeface="Calibri Light" pitchFamily="34" charset="0"/>
+              </a:rPr>
+              <a:t>Nmap</a:t>
+            </a:r>
+            <a:r>
+              <a:rPr lang="en-US" altLang="zh-TW" sz="1200" dirty="0">
+                <a:latin typeface="Calibri Light" pitchFamily="34" charset="0"/>
+              </a:rPr>
+              <a:t> scan report for node1.k8s.dic (172.22.0.1</a:t>
+            </a:r>
+            <a:r>
+              <a:rPr lang="en-US" altLang="zh-TW" sz="1200" dirty="0" smtClean="0">
+                <a:latin typeface="Calibri Light" pitchFamily="34" charset="0"/>
+              </a:rPr>
+              <a:t>)</a:t>
+            </a:r>
+          </a:p>
+          <a:p>
+            <a:r>
+              <a:rPr lang="en-US" altLang="zh-TW" sz="1200" dirty="0" smtClean="0">
+                <a:latin typeface="Calibri Light" pitchFamily="34" charset="0"/>
+              </a:rPr>
+              <a:t>Host </a:t>
+            </a:r>
+            <a:r>
+              <a:rPr lang="en-US" altLang="zh-TW" sz="1200" dirty="0">
+                <a:latin typeface="Calibri Light" pitchFamily="34" charset="0"/>
+              </a:rPr>
+              <a:t>is up (0.00065s latency</a:t>
+            </a:r>
+            <a:r>
+              <a:rPr lang="en-US" altLang="zh-TW" sz="1200" dirty="0" smtClean="0">
+                <a:latin typeface="Calibri Light" pitchFamily="34" charset="0"/>
+              </a:rPr>
+              <a:t>).</a:t>
+            </a:r>
+            <a:endParaRPr lang="en-US" altLang="zh-TW" sz="1200" dirty="0">
+              <a:latin typeface="Calibri Light" pitchFamily="34" charset="0"/>
+            </a:endParaRPr>
+          </a:p>
+          <a:p>
+            <a:r>
+              <a:rPr lang="en-US" altLang="zh-TW" sz="1200" dirty="0">
+                <a:latin typeface="Calibri Light" pitchFamily="34" charset="0"/>
+              </a:rPr>
+              <a:t>PORT   STATE SERVICE VERSION</a:t>
+            </a:r>
+          </a:p>
+          <a:p>
+            <a:r>
+              <a:rPr lang="en-US" altLang="zh-TW" sz="1200" dirty="0">
+                <a:latin typeface="Calibri Light" pitchFamily="34" charset="0"/>
+              </a:rPr>
+              <a:t>80/</a:t>
+            </a:r>
+            <a:r>
+              <a:rPr lang="en-US" altLang="zh-TW" sz="1200" dirty="0" err="1">
+                <a:latin typeface="Calibri Light" pitchFamily="34" charset="0"/>
+              </a:rPr>
+              <a:t>tcp</a:t>
+            </a:r>
+            <a:r>
+              <a:rPr lang="en-US" altLang="zh-TW" sz="1200" dirty="0">
+                <a:latin typeface="Calibri Light" pitchFamily="34" charset="0"/>
+              </a:rPr>
+              <a:t> open  http    Apache </a:t>
+            </a:r>
+            <a:r>
+              <a:rPr lang="en-US" altLang="zh-TW" sz="1200" dirty="0" err="1">
+                <a:latin typeface="Calibri Light" pitchFamily="34" charset="0"/>
+              </a:rPr>
+              <a:t>httpd</a:t>
+            </a:r>
+            <a:r>
+              <a:rPr lang="en-US" altLang="zh-TW" sz="1200" dirty="0">
+                <a:latin typeface="Calibri Light" pitchFamily="34" charset="0"/>
+              </a:rPr>
+              <a:t> 2.4.6 ((CentOS) PHP/5.4.16)</a:t>
+            </a:r>
+          </a:p>
+          <a:p>
+            <a:r>
+              <a:rPr lang="en-US" altLang="zh-TW" sz="1200" dirty="0">
+                <a:latin typeface="Calibri Light" pitchFamily="34" charset="0"/>
+              </a:rPr>
+              <a:t>|_http-title: Site doesn't have a title (text/html; charset=UTF-8).</a:t>
+            </a:r>
+          </a:p>
+          <a:p>
+            <a:r>
+              <a:rPr lang="en-US" altLang="zh-TW" sz="1200" dirty="0">
+                <a:latin typeface="Calibri Light" pitchFamily="34" charset="0"/>
+              </a:rPr>
+              <a:t>MAC Address: 00:1B:FC:58:9A:BB (</a:t>
+            </a:r>
+            <a:r>
+              <a:rPr lang="en-US" altLang="zh-TW" sz="1200" dirty="0" err="1">
+                <a:latin typeface="Calibri Light" pitchFamily="34" charset="0"/>
+              </a:rPr>
+              <a:t>Asustek</a:t>
+            </a:r>
+            <a:r>
+              <a:rPr lang="en-US" altLang="zh-TW" sz="1200" dirty="0">
+                <a:latin typeface="Calibri Light" pitchFamily="34" charset="0"/>
+              </a:rPr>
+              <a:t> Computer)</a:t>
+            </a:r>
+          </a:p>
+          <a:p>
+            <a:endParaRPr lang="en-US" altLang="zh-TW" sz="1200" dirty="0">
+              <a:latin typeface="Calibri Light" pitchFamily="34" charset="0"/>
+            </a:endParaRPr>
+          </a:p>
+          <a:p>
+            <a:r>
+              <a:rPr lang="en-US" altLang="zh-TW" sz="1200" dirty="0">
+                <a:latin typeface="Calibri Light" pitchFamily="34" charset="0"/>
+              </a:rPr>
+              <a:t>Service detection performed. Please report any incorrect results at http://nmap.org/submit/ .</a:t>
+            </a:r>
+          </a:p>
+          <a:p>
+            <a:r>
+              <a:rPr lang="en-US" altLang="zh-TW" sz="1200" dirty="0" err="1">
+                <a:latin typeface="Calibri Light" pitchFamily="34" charset="0"/>
+              </a:rPr>
+              <a:t>Nmap</a:t>
+            </a:r>
+            <a:r>
+              <a:rPr lang="en-US" altLang="zh-TW" sz="1200" dirty="0">
+                <a:latin typeface="Calibri Light" pitchFamily="34" charset="0"/>
+              </a:rPr>
+              <a:t> done: 1 IP address (1 host up) scanned in 6.29 seconds</a:t>
+            </a:r>
+          </a:p>
+        </p:txBody>
+      </p:sp>
+    </p:spTree>
+    <p:extLst>
+      <p:ext uri="{BB962C8B-B14F-4D97-AF65-F5344CB8AC3E}">
+        <p14:creationId xmlns:p14="http://schemas.microsoft.com/office/powerpoint/2010/main" val="2991734178"/>
+      </p:ext>
+    </p:extLst>
+  </p:cSld>
+  <p:clrMapOvr>
+    <a:masterClrMapping/>
+  </p:clrMapOvr>
+</p:sld>
+</file>
+
+<file path=ppt/slides/slide12.xml><?xml version="1.0" encoding="utf-8"?>
+<p:sld xmlns:a="http://schemas.openxmlformats.org/drawingml/2006/main" xmlns:r="http://schemas.openxmlformats.org/officeDocument/2006/relationships" xmlns:p="http://schemas.openxmlformats.org/presentationml/2006/main">
+  <p:cSld>
+    <p:spTree>
+      <p:nvGrpSpPr>
+        <p:cNvPr id="1" name=""/>
+        <p:cNvGrpSpPr/>
+        <p:nvPr/>
+      </p:nvGrpSpPr>
+      <p:grpSpPr>
+        <a:xfrm>
+          <a:off x="0" y="0"/>
+          <a:ext cx="0" cy="0"/>
+          <a:chOff x="0" y="0"/>
+          <a:chExt cx="0" cy="0"/>
+        </a:xfrm>
+      </p:grpSpPr>
+      <p:sp>
+        <p:nvSpPr>
+          <p:cNvPr id="3" name="標題 2"/>
+          <p:cNvSpPr>
+            <a:spLocks noGrp="1"/>
+          </p:cNvSpPr>
+          <p:nvPr>
+            <p:ph type="title"/>
+          </p:nvPr>
+        </p:nvSpPr>
+        <p:spPr/>
+        <p:txBody>
+          <a:bodyPr>
+            <a:normAutofit/>
+          </a:bodyPr>
+          <a:lstStyle/>
+          <a:p>
+            <a:r>
+              <a:rPr lang="en-US" altLang="zh-TW" dirty="0" smtClean="0"/>
+              <a:t>Reference</a:t>
+            </a:r>
+            <a:endParaRPr lang="zh-TW" altLang="en-US" dirty="0"/>
+          </a:p>
+        </p:txBody>
+      </p:sp>
+      <p:sp>
+        <p:nvSpPr>
+          <p:cNvPr id="2" name="內容版面配置區 1"/>
+          <p:cNvSpPr>
+            <a:spLocks noGrp="1"/>
+          </p:cNvSpPr>
+          <p:nvPr>
+            <p:ph sz="half" idx="1"/>
+          </p:nvPr>
+        </p:nvSpPr>
+        <p:spPr/>
+        <p:txBody>
+          <a:bodyPr>
+            <a:normAutofit/>
+          </a:bodyPr>
+          <a:lstStyle/>
+          <a:p>
+            <a:pPr>
+              <a:lnSpc>
+                <a:spcPct val="200000"/>
+              </a:lnSpc>
+            </a:pPr>
+            <a:endParaRPr lang="en-US" altLang="zh-TW" sz="1800" dirty="0" smtClean="0"/>
+          </a:p>
+          <a:p>
+            <a:pPr marL="118872" indent="0">
+              <a:lnSpc>
+                <a:spcPct val="200000"/>
+              </a:lnSpc>
+              <a:buNone/>
+            </a:pPr>
+            <a:r>
+              <a:rPr lang="en-US" altLang="zh-TW" sz="1800" b="1" dirty="0" err="1" smtClean="0"/>
+              <a:t>Nmap</a:t>
+            </a:r>
+            <a:r>
+              <a:rPr lang="zh-TW" altLang="en-US" sz="1800" b="1" dirty="0"/>
+              <a:t>滲透測試</a:t>
+            </a:r>
+            <a:r>
+              <a:rPr lang="zh-TW" altLang="en-US" sz="1800" b="1" dirty="0" smtClean="0"/>
+              <a:t>指南</a:t>
+            </a:r>
+            <a:endParaRPr lang="en-US" altLang="zh-TW" sz="1800" b="1" dirty="0" smtClean="0"/>
+          </a:p>
+          <a:p>
+            <a:pPr>
+              <a:lnSpc>
+                <a:spcPct val="200000"/>
+              </a:lnSpc>
+            </a:pPr>
+            <a:r>
+              <a:rPr lang="zh-TW" altLang="en-US" sz="1800" dirty="0"/>
+              <a:t>作者： 商廣明</a:t>
+            </a:r>
+          </a:p>
+          <a:p>
+            <a:pPr>
+              <a:lnSpc>
+                <a:spcPct val="200000"/>
+              </a:lnSpc>
+            </a:pPr>
+            <a:r>
+              <a:rPr lang="zh-TW" altLang="en-US" sz="1800" dirty="0"/>
+              <a:t>出版社：人民郵電出版社</a:t>
+            </a:r>
+          </a:p>
+          <a:p>
+            <a:pPr>
+              <a:lnSpc>
+                <a:spcPct val="200000"/>
+              </a:lnSpc>
+            </a:pPr>
+            <a:r>
+              <a:rPr lang="zh-TW" altLang="en-US" sz="1800" dirty="0"/>
+              <a:t>出版日期：</a:t>
+            </a:r>
+            <a:r>
+              <a:rPr lang="en-US" altLang="zh-TW" sz="1800" dirty="0"/>
+              <a:t>2015/10/01</a:t>
+            </a:r>
+          </a:p>
+          <a:p>
+            <a:pPr>
+              <a:lnSpc>
+                <a:spcPct val="200000"/>
+              </a:lnSpc>
+            </a:pPr>
+            <a:r>
+              <a:rPr lang="zh-TW" altLang="en-US" sz="1800" dirty="0"/>
+              <a:t>語言：簡體中文</a:t>
+            </a:r>
+            <a:endParaRPr lang="zh-TW" altLang="en-US" sz="1800" dirty="0"/>
+          </a:p>
+        </p:txBody>
+      </p:sp>
+      <p:pic>
+        <p:nvPicPr>
+          <p:cNvPr id="5" name="內容版面配置區 4"/>
+          <p:cNvPicPr>
+            <a:picLocks noGrp="1" noChangeAspect="1"/>
+          </p:cNvPicPr>
+          <p:nvPr>
+            <p:ph sz="half" idx="2"/>
+          </p:nvPr>
+        </p:nvPicPr>
+        <p:blipFill>
+          <a:blip r:embed="rId2"/>
+          <a:stretch>
+            <a:fillRect/>
+          </a:stretch>
+        </p:blipFill>
+        <p:spPr>
+          <a:xfrm>
+            <a:off x="5010150" y="2428081"/>
+            <a:ext cx="3314700" cy="3314700"/>
+          </a:xfrm>
+          <a:prstGeom prst="rect">
+            <a:avLst/>
+          </a:prstGeom>
+        </p:spPr>
+      </p:pic>
+    </p:spTree>
+    <p:extLst>
+      <p:ext uri="{BB962C8B-B14F-4D97-AF65-F5344CB8AC3E}">
+        <p14:creationId xmlns:p14="http://schemas.microsoft.com/office/powerpoint/2010/main" val="420474403"/>
+      </p:ext>
+    </p:extLst>
+  </p:cSld>
+  <p:clrMapOvr>
+    <a:masterClrMapping/>
+  </p:clrMapOvr>
+  <p:timing>
+    <p:tnLst>
+      <p:par>
+        <p:cTn id="1" dur="indefinite" restart="never" nodeType="tmRoot"/>
+      </p:par>
+    </p:tnLst>
+  </p:timing>
+</p:sld>
+</file>
+
+<file path=ppt/slides/slide13.xml><?xml version="1.0" encoding="utf-8"?>
+<p:sld xmlns:a="http://schemas.openxmlformats.org/drawingml/2006/main" xmlns:r="http://schemas.openxmlformats.org/officeDocument/2006/relationships" xmlns:p="http://schemas.openxmlformats.org/presentationml/2006/main">
+  <p:cSld>
+    <p:spTree>
+      <p:nvGrpSpPr>
+        <p:cNvPr id="1" name=""/>
+        <p:cNvGrpSpPr/>
+        <p:nvPr/>
+      </p:nvGrpSpPr>
+      <p:grpSpPr>
+        <a:xfrm>
+          <a:off x="0" y="0"/>
+          <a:ext cx="0" cy="0"/>
+          <a:chOff x="0" y="0"/>
+          <a:chExt cx="0" cy="0"/>
+        </a:xfrm>
+      </p:grpSpPr>
+      <p:sp>
+        <p:nvSpPr>
+          <p:cNvPr id="3" name="標題 2"/>
+          <p:cNvSpPr>
+            <a:spLocks noGrp="1"/>
+          </p:cNvSpPr>
+          <p:nvPr>
+            <p:ph type="title"/>
+          </p:nvPr>
+        </p:nvSpPr>
+        <p:spPr/>
+        <p:txBody>
+          <a:bodyPr>
+            <a:normAutofit/>
+          </a:bodyPr>
+          <a:lstStyle/>
+          <a:p>
+            <a:r>
+              <a:rPr lang="en-US" altLang="zh-TW" dirty="0" smtClean="0"/>
+              <a:t>Reference</a:t>
+            </a:r>
+            <a:endParaRPr lang="zh-TW" altLang="en-US" dirty="0"/>
+          </a:p>
+        </p:txBody>
+      </p:sp>
+      <p:sp>
+        <p:nvSpPr>
+          <p:cNvPr id="2" name="內容版面配置區 1"/>
+          <p:cNvSpPr>
+            <a:spLocks noGrp="1"/>
+          </p:cNvSpPr>
+          <p:nvPr>
+            <p:ph sz="half" idx="1"/>
+          </p:nvPr>
+        </p:nvSpPr>
+        <p:spPr/>
+        <p:txBody>
+          <a:bodyPr>
+            <a:normAutofit/>
+          </a:bodyPr>
+          <a:lstStyle/>
+          <a:p>
+            <a:pPr>
+              <a:lnSpc>
+                <a:spcPct val="200000"/>
+              </a:lnSpc>
+            </a:pPr>
+            <a:endParaRPr lang="en-US" altLang="zh-TW" sz="1800" dirty="0" smtClean="0"/>
+          </a:p>
+          <a:p>
+            <a:pPr marL="118872" indent="0">
+              <a:buNone/>
+            </a:pPr>
+            <a:r>
+              <a:rPr lang="zh-TW" altLang="en-US" sz="1800" b="1" dirty="0"/>
+              <a:t>資安專家的</a:t>
+            </a:r>
+            <a:r>
+              <a:rPr lang="en-US" altLang="zh-TW" sz="1800" b="1" dirty="0" err="1"/>
+              <a:t>nmap</a:t>
+            </a:r>
+            <a:r>
+              <a:rPr lang="zh-TW" altLang="en-US" sz="1800" b="1" dirty="0"/>
+              <a:t>與</a:t>
+            </a:r>
+            <a:r>
+              <a:rPr lang="en-US" altLang="zh-TW" sz="1800" b="1" dirty="0"/>
+              <a:t>NSE</a:t>
+            </a:r>
+            <a:r>
+              <a:rPr lang="zh-TW" altLang="en-US" sz="1800" b="1" dirty="0"/>
+              <a:t>網路診斷與掃描技巧大公開</a:t>
+            </a:r>
+            <a:endParaRPr lang="en-US" altLang="zh-TW" sz="1800" b="1" dirty="0" smtClean="0"/>
+          </a:p>
+          <a:p>
+            <a:pPr>
+              <a:lnSpc>
+                <a:spcPct val="200000"/>
+              </a:lnSpc>
+            </a:pPr>
+            <a:r>
+              <a:rPr lang="zh-TW" altLang="en-US" sz="1800" dirty="0"/>
+              <a:t>作者： 陳明照  </a:t>
+            </a:r>
+          </a:p>
+          <a:p>
+            <a:pPr>
+              <a:lnSpc>
+                <a:spcPct val="200000"/>
+              </a:lnSpc>
+            </a:pPr>
+            <a:r>
+              <a:rPr lang="zh-TW" altLang="en-US" sz="1800" dirty="0" smtClean="0"/>
+              <a:t>出版社</a:t>
+            </a:r>
+            <a:r>
+              <a:rPr lang="zh-TW" altLang="en-US" sz="1800" dirty="0"/>
+              <a:t>：碁峰  </a:t>
+            </a:r>
+          </a:p>
+          <a:p>
+            <a:pPr>
+              <a:lnSpc>
+                <a:spcPct val="200000"/>
+              </a:lnSpc>
+            </a:pPr>
+            <a:r>
+              <a:rPr lang="zh-TW" altLang="en-US" sz="1800" dirty="0" smtClean="0"/>
+              <a:t>出版</a:t>
+            </a:r>
+            <a:r>
+              <a:rPr lang="zh-TW" altLang="en-US" sz="1800" dirty="0"/>
+              <a:t>日期：</a:t>
+            </a:r>
+            <a:r>
+              <a:rPr lang="en-US" altLang="zh-TW" sz="1800" dirty="0"/>
+              <a:t>2018/04/23</a:t>
+            </a:r>
+          </a:p>
+          <a:p>
+            <a:pPr>
+              <a:lnSpc>
+                <a:spcPct val="200000"/>
+              </a:lnSpc>
+            </a:pPr>
+            <a:r>
+              <a:rPr lang="zh-TW" altLang="en-US" sz="1800" dirty="0"/>
+              <a:t>語言：繁體中文</a:t>
+            </a:r>
+            <a:endParaRPr lang="zh-TW" altLang="en-US" sz="1800" dirty="0"/>
+          </a:p>
+        </p:txBody>
+      </p:sp>
+      <p:pic>
+        <p:nvPicPr>
+          <p:cNvPr id="7" name="內容版面配置區 6"/>
+          <p:cNvPicPr>
+            <a:picLocks noGrp="1" noChangeAspect="1"/>
+          </p:cNvPicPr>
+          <p:nvPr>
+            <p:ph sz="half" idx="2"/>
+          </p:nvPr>
+        </p:nvPicPr>
+        <p:blipFill>
+          <a:blip r:embed="rId2"/>
+          <a:stretch>
+            <a:fillRect/>
+          </a:stretch>
+        </p:blipFill>
+        <p:spPr>
+          <a:xfrm>
+            <a:off x="5010150" y="2428081"/>
+            <a:ext cx="3314700" cy="3314700"/>
+          </a:xfrm>
+          <a:prstGeom prst="rect">
+            <a:avLst/>
+          </a:prstGeom>
+        </p:spPr>
+      </p:pic>
+    </p:spTree>
+    <p:extLst>
+      <p:ext uri="{BB962C8B-B14F-4D97-AF65-F5344CB8AC3E}">
+        <p14:creationId xmlns:p14="http://schemas.microsoft.com/office/powerpoint/2010/main" val="552489173"/>
+      </p:ext>
+    </p:extLst>
+  </p:cSld>
+  <p:clrMapOvr>
+    <a:masterClrMapping/>
+  </p:clrMapOvr>
+  <p:timing>
+    <p:tnLst>
+      <p:par>
+        <p:cTn id="1" dur="indefinite" restart="never" nodeType="tmRoot"/>
+      </p:par>
+    </p:tnLst>
+  </p:timing>
+</p:sld>
+</file>
+
+<file path=ppt/slides/slide14.xml><?xml version="1.0" encoding="utf-8"?>
+<p:sld xmlns:a="http://schemas.openxmlformats.org/drawingml/2006/main" xmlns:r="http://schemas.openxmlformats.org/officeDocument/2006/relationships" xmlns:p="http://schemas.openxmlformats.org/presentationml/2006/main">
+  <p:cSld>
+    <p:spTree>
+      <p:nvGrpSpPr>
+        <p:cNvPr id="1" name=""/>
+        <p:cNvGrpSpPr/>
+        <p:nvPr/>
+      </p:nvGrpSpPr>
+      <p:grpSpPr>
+        <a:xfrm>
+          <a:off x="0" y="0"/>
+          <a:ext cx="0" cy="0"/>
+          <a:chOff x="0" y="0"/>
+          <a:chExt cx="0" cy="0"/>
+        </a:xfrm>
+      </p:grpSpPr>
+      <p:sp>
+        <p:nvSpPr>
+          <p:cNvPr id="3" name="標題 2"/>
+          <p:cNvSpPr>
+            <a:spLocks noGrp="1"/>
+          </p:cNvSpPr>
+          <p:nvPr>
+            <p:ph type="title"/>
+          </p:nvPr>
+        </p:nvSpPr>
+        <p:spPr/>
+        <p:txBody>
+          <a:bodyPr>
+            <a:normAutofit/>
+          </a:bodyPr>
+          <a:lstStyle/>
+          <a:p>
+            <a:r>
+              <a:rPr lang="en-US" altLang="zh-TW" dirty="0" smtClean="0"/>
+              <a:t>Reference</a:t>
+            </a:r>
+            <a:endParaRPr lang="zh-TW" altLang="en-US" dirty="0"/>
+          </a:p>
+        </p:txBody>
+      </p:sp>
+      <p:sp>
+        <p:nvSpPr>
+          <p:cNvPr id="2" name="內容版面配置區 1"/>
+          <p:cNvSpPr>
+            <a:spLocks noGrp="1"/>
+          </p:cNvSpPr>
+          <p:nvPr>
+            <p:ph sz="half" idx="1"/>
+          </p:nvPr>
+        </p:nvSpPr>
+        <p:spPr/>
+        <p:txBody>
+          <a:bodyPr>
+            <a:normAutofit/>
+          </a:bodyPr>
+          <a:lstStyle/>
+          <a:p>
+            <a:pPr>
+              <a:lnSpc>
+                <a:spcPct val="200000"/>
+              </a:lnSpc>
+            </a:pPr>
+            <a:endParaRPr lang="en-US" altLang="zh-TW" sz="1800" dirty="0" smtClean="0"/>
+          </a:p>
+          <a:p>
+            <a:pPr marL="118872" indent="0">
+              <a:buNone/>
+            </a:pPr>
+            <a:r>
+              <a:rPr lang="zh-TW" altLang="en-US" sz="1800" b="1" dirty="0"/>
+              <a:t>諸神之眼：</a:t>
+            </a:r>
+            <a:r>
+              <a:rPr lang="en-US" altLang="zh-TW" sz="1800" b="1" dirty="0" err="1"/>
+              <a:t>Nmap</a:t>
+            </a:r>
+            <a:r>
+              <a:rPr lang="zh-TW" altLang="en-US" sz="1800" b="1" dirty="0"/>
+              <a:t>網絡安全審計技術揭</a:t>
+            </a:r>
+            <a:r>
+              <a:rPr lang="zh-TW" altLang="en-US" sz="1800" b="1" dirty="0" smtClean="0"/>
+              <a:t>秘</a:t>
+            </a:r>
+            <a:endParaRPr lang="en-US" altLang="zh-TW" sz="1800" b="1" dirty="0" smtClean="0"/>
+          </a:p>
+          <a:p>
+            <a:pPr>
+              <a:lnSpc>
+                <a:spcPct val="200000"/>
+              </a:lnSpc>
+            </a:pPr>
+            <a:r>
+              <a:rPr lang="zh-TW" altLang="en-US" sz="1800" dirty="0"/>
+              <a:t>作者： 李華峰</a:t>
+            </a:r>
+          </a:p>
+          <a:p>
+            <a:pPr>
+              <a:lnSpc>
+                <a:spcPct val="200000"/>
+              </a:lnSpc>
+            </a:pPr>
+            <a:r>
+              <a:rPr lang="zh-TW" altLang="en-US" sz="1800" dirty="0"/>
+              <a:t>出版社：清華大學出版社</a:t>
+            </a:r>
+          </a:p>
+          <a:p>
+            <a:pPr>
+              <a:lnSpc>
+                <a:spcPct val="200000"/>
+              </a:lnSpc>
+            </a:pPr>
+            <a:r>
+              <a:rPr lang="zh-TW" altLang="en-US" sz="1800" dirty="0"/>
+              <a:t>出版日期：</a:t>
+            </a:r>
+            <a:r>
+              <a:rPr lang="en-US" altLang="zh-TW" sz="1800" dirty="0"/>
+              <a:t>2017/09/01</a:t>
+            </a:r>
+          </a:p>
+          <a:p>
+            <a:pPr>
+              <a:lnSpc>
+                <a:spcPct val="200000"/>
+              </a:lnSpc>
+            </a:pPr>
+            <a:r>
+              <a:rPr lang="zh-TW" altLang="en-US" sz="1800" dirty="0"/>
+              <a:t>語言：簡體中文</a:t>
+            </a:r>
+            <a:endParaRPr lang="zh-TW" altLang="en-US" sz="1800" dirty="0"/>
+          </a:p>
+        </p:txBody>
+      </p:sp>
+      <p:pic>
+        <p:nvPicPr>
+          <p:cNvPr id="5" name="內容版面配置區 4"/>
+          <p:cNvPicPr>
+            <a:picLocks noGrp="1" noChangeAspect="1"/>
+          </p:cNvPicPr>
+          <p:nvPr>
+            <p:ph sz="half" idx="2"/>
+          </p:nvPr>
+        </p:nvPicPr>
+        <p:blipFill>
+          <a:blip r:embed="rId2"/>
+          <a:stretch>
+            <a:fillRect/>
+          </a:stretch>
+        </p:blipFill>
+        <p:spPr>
+          <a:xfrm>
+            <a:off x="5762625" y="2823370"/>
+            <a:ext cx="1809750" cy="2524124"/>
+          </a:xfrm>
+          <a:prstGeom prst="rect">
+            <a:avLst/>
+          </a:prstGeom>
+        </p:spPr>
+      </p:pic>
+    </p:spTree>
+    <p:extLst>
+      <p:ext uri="{BB962C8B-B14F-4D97-AF65-F5344CB8AC3E}">
+        <p14:creationId xmlns:p14="http://schemas.microsoft.com/office/powerpoint/2010/main" val="2738071315"/>
+      </p:ext>
+    </p:extLst>
+  </p:cSld>
+  <p:clrMapOvr>
+    <a:masterClrMapping/>
+  </p:clrMapOvr>
+  <p:timing>
+    <p:tnLst>
+      <p:par>
+        <p:cTn id="1" dur="indefinite" restart="never" nodeType="tmRoot"/>
+      </p:par>
+    </p:tnLst>
+  </p:timing>
+</p:sld>
+</file>
+
 <file path=ppt/slides/slide2.xml><?xml version="1.0" encoding="utf-8"?>
 <p:sld xmlns:a="http://schemas.openxmlformats.org/drawingml/2006/main" xmlns:r="http://schemas.openxmlformats.org/officeDocument/2006/relationships" xmlns:p="http://schemas.openxmlformats.org/presentationml/2006/main">
   <p:cSld>
@@ -4010,7 +5814,6 @@
               <a:rPr lang="zh-TW" altLang="en-US" sz="1800" dirty="0"/>
               <a:t>可以檢測目標主機是否線上、埠開放情況、偵測執行的服務類型及版本資訊、偵測作業系統與裝置類型等資訊。 它是網路管理員必用的軟體之一，用以評估網路系統安全</a:t>
             </a:r>
-            <a:endParaRPr lang="zh-TW" altLang="en-US" sz="1800" dirty="0"/>
           </a:p>
           <a:p>
             <a:endParaRPr lang="en-US" altLang="zh-TW" sz="1800" dirty="0" smtClean="0"/>
@@ -4063,7 +5866,6 @@
               <a:rPr lang="zh-TW" altLang="en-US" sz="1800" dirty="0"/>
               <a:t>。</a:t>
             </a:r>
-            <a:endParaRPr lang="zh-TW" altLang="en-US" sz="1800" dirty="0"/>
           </a:p>
         </p:txBody>
       </p:sp>
@@ -4294,8 +6096,32 @@
               <a:rPr lang="en-US" altLang="zh-TW" sz="1200" dirty="0" smtClean="0">
                 <a:latin typeface="Calibri Light" pitchFamily="34" charset="0"/>
               </a:rPr>
-              <a:t>:~# ping -c 2 120.114.135.210</a:t>
-            </a:r>
+              <a:t>:~# </a:t>
+            </a:r>
+            <a:r>
+              <a:rPr lang="en-US" altLang="zh-TW" sz="1200" b="1" dirty="0" smtClean="0">
+                <a:solidFill>
+                  <a:srgbClr val="C00000"/>
+                </a:solidFill>
+                <a:latin typeface="Calibri Light" pitchFamily="34" charset="0"/>
+              </a:rPr>
+              <a:t>ping -c 2 </a:t>
+            </a:r>
+            <a:r>
+              <a:rPr lang="en-US" altLang="zh-TW" sz="1200" b="1" dirty="0" smtClean="0">
+                <a:solidFill>
+                  <a:srgbClr val="C00000"/>
+                </a:solidFill>
+                <a:latin typeface="Calibri Light" pitchFamily="34" charset="0"/>
+              </a:rPr>
+              <a:t>120.114.135.210</a:t>
+            </a:r>
+            <a:endParaRPr lang="en-US" altLang="zh-TW" sz="1200" b="1" dirty="0" smtClean="0">
+              <a:solidFill>
+                <a:srgbClr val="C00000"/>
+              </a:solidFill>
+              <a:latin typeface="Calibri Light" pitchFamily="34" charset="0"/>
+            </a:endParaRPr>
           </a:p>
           <a:p>
             <a:r>
@@ -4497,25 +6323,37 @@
               <a:t>:~# </a:t>
             </a:r>
             <a:r>
-              <a:rPr lang="en-US" altLang="zh-TW" sz="1200" dirty="0" err="1" smtClean="0">
+              <a:rPr lang="en-US" altLang="zh-TW" sz="1200" b="1" dirty="0" err="1" smtClean="0">
+                <a:solidFill>
+                  <a:srgbClr val="C00000"/>
+                </a:solidFill>
                 <a:latin typeface="Calibri Light" pitchFamily="34" charset="0"/>
               </a:rPr>
               <a:t>nmap</a:t>
             </a:r>
             <a:r>
-              <a:rPr lang="en-US" altLang="zh-TW" sz="1200" dirty="0" smtClean="0">
+              <a:rPr lang="en-US" altLang="zh-TW" sz="1200" b="1" dirty="0" smtClean="0">
+                <a:solidFill>
+                  <a:srgbClr val="C00000"/>
+                </a:solidFill>
                 <a:latin typeface="Calibri Light" pitchFamily="34" charset="0"/>
               </a:rPr>
               <a:t> -</a:t>
             </a:r>
             <a:r>
-              <a:rPr lang="en-US" altLang="zh-TW" sz="1200" dirty="0" err="1" smtClean="0">
+              <a:rPr lang="en-US" altLang="zh-TW" sz="1200" b="1" dirty="0" err="1" smtClean="0">
+                <a:solidFill>
+                  <a:srgbClr val="C00000"/>
+                </a:solidFill>
                 <a:latin typeface="Calibri Light" pitchFamily="34" charset="0"/>
               </a:rPr>
               <a:t>sP</a:t>
             </a:r>
             <a:r>
-              <a:rPr lang="en-US" altLang="zh-TW" sz="1200" dirty="0" smtClean="0">
+              <a:rPr lang="en-US" altLang="zh-TW" sz="1200" b="1" dirty="0" smtClean="0">
+                <a:solidFill>
+                  <a:srgbClr val="C00000"/>
+                </a:solidFill>
                 <a:latin typeface="Calibri Light" pitchFamily="34" charset="0"/>
               </a:rPr>
               <a:t> 120.114.135.210</a:t>
@@ -4838,13 +6676,19 @@
               <a:t>:~# </a:t>
             </a:r>
             <a:r>
-              <a:rPr lang="en-US" altLang="zh-TW" sz="1200" dirty="0" err="1" smtClean="0">
+              <a:rPr lang="en-US" altLang="zh-TW" sz="1200" b="1" dirty="0" err="1" smtClean="0">
+                <a:solidFill>
+                  <a:srgbClr val="C00000"/>
+                </a:solidFill>
                 <a:latin typeface="Calibri Light" pitchFamily="34" charset="0"/>
               </a:rPr>
               <a:t>nmap</a:t>
             </a:r>
             <a:r>
-              <a:rPr lang="en-US" altLang="zh-TW" sz="1200" dirty="0" smtClean="0">
+              <a:rPr lang="en-US" altLang="zh-TW" sz="1200" b="1" dirty="0" smtClean="0">
+                <a:solidFill>
+                  <a:srgbClr val="C00000"/>
+                </a:solidFill>
                 <a:latin typeface="Calibri Light" pitchFamily="34" charset="0"/>
               </a:rPr>
               <a:t> -PT 120.114.135.210</a:t>
@@ -5304,13 +7148,19 @@
               <a:t>:~# </a:t>
             </a:r>
             <a:r>
-              <a:rPr lang="en-US" altLang="zh-TW" sz="1200" dirty="0" err="1" smtClean="0">
+              <a:rPr lang="en-US" altLang="zh-TW" sz="1200" b="1" dirty="0" err="1" smtClean="0">
+                <a:solidFill>
+                  <a:srgbClr val="C00000"/>
+                </a:solidFill>
                 <a:latin typeface="Calibri Light" pitchFamily="34" charset="0"/>
               </a:rPr>
               <a:t>nmap</a:t>
             </a:r>
             <a:r>
-              <a:rPr lang="en-US" altLang="zh-TW" sz="1200" dirty="0" smtClean="0">
+              <a:rPr lang="en-US" altLang="zh-TW" sz="1200" b="1" dirty="0" smtClean="0">
+                <a:solidFill>
+                  <a:srgbClr val="C00000"/>
+                </a:solidFill>
                 <a:latin typeface="Calibri Light" pitchFamily="34" charset="0"/>
               </a:rPr>
               <a:t> -O 120.114.135.210</a:t>
@@ -5711,7 +7561,27 @@
           <a:bodyPr/>
           <a:lstStyle/>
           <a:p>
-            <a:endParaRPr lang="zh-TW" altLang="en-US"/>
+            <a:r>
+              <a:rPr lang="zh-TW" altLang="en-US" dirty="0" smtClean="0"/>
+              <a:t>掃描</a:t>
+            </a:r>
+            <a:r>
+              <a:rPr lang="en-US" altLang="zh-TW" dirty="0" smtClean="0"/>
+              <a:t>TCP</a:t>
+            </a:r>
+            <a:r>
+              <a:rPr lang="zh-TW" altLang="en-US" dirty="0"/>
+              <a:t> </a:t>
+            </a:r>
+            <a:r>
+              <a:rPr lang="en-US" altLang="zh-TW" dirty="0" smtClean="0"/>
+              <a:t>connec</a:t>
+            </a:r>
+            <a:r>
+              <a:rPr lang="en-US" altLang="zh-TW" dirty="0"/>
+              <a:t>t</a:t>
+            </a:r>
+            <a:endParaRPr lang="zh-TW" altLang="en-US" dirty="0"/>
           </a:p>
         </p:txBody>
       </p:sp>
@@ -5727,10 +7597,424 @@
         </p:nvSpPr>
         <p:spPr/>
         <p:txBody>
-          <a:bodyPr/>
+          <a:bodyPr>
+            <a:normAutofit/>
+          </a:bodyPr>
           <a:lstStyle/>
           <a:p>
-            <a:endParaRPr lang="zh-TW" altLang="en-US"/>
+            <a:r>
+              <a:rPr lang="zh-TW" altLang="en-US" sz="1800" dirty="0"/>
+              <a:t>這是對 </a:t>
+            </a:r>
+            <a:r>
+              <a:rPr lang="en-US" altLang="zh-TW" sz="1800" dirty="0"/>
+              <a:t>TCP </a:t>
+            </a:r>
+            <a:r>
+              <a:rPr lang="zh-TW" altLang="en-US" sz="1800" dirty="0"/>
+              <a:t>的最基本形式的偵測，直接連到目標主機進行埠掃描並完成一個完整的三次交握過程 </a:t>
+            </a:r>
+            <a:r>
+              <a:rPr lang="en-US" altLang="zh-TW" sz="1800" dirty="0"/>
+              <a:t>(SYN, SYN/ACK, ACK</a:t>
+            </a:r>
+            <a:r>
+              <a:rPr lang="en-US" altLang="zh-TW" sz="1800" dirty="0" smtClean="0"/>
+              <a:t>)</a:t>
+            </a:r>
+            <a:r>
+              <a:rPr lang="zh-TW" altLang="en-US" sz="1800" dirty="0" smtClean="0"/>
+              <a:t>，其</a:t>
+            </a:r>
+            <a:r>
+              <a:rPr lang="zh-TW" altLang="en-US" sz="1800" dirty="0"/>
+              <a:t>記錄會顯示出一連串的連接及錯誤資訊很容易被目標主電腦察覺並記錄下來，因此缺點是容易被目標系統檢測到</a:t>
+            </a:r>
+            <a:endParaRPr lang="zh-TW" altLang="en-US" sz="1800" dirty="0"/>
+          </a:p>
+        </p:txBody>
+      </p:sp>
+      <p:pic>
+        <p:nvPicPr>
+          <p:cNvPr id="1026" name="Picture 2" descr="ãTCPãçåçæå°çµæ"/>
+          <p:cNvPicPr>
+            <a:picLocks noChangeAspect="1" noChangeArrowheads="1"/>
+          </p:cNvPicPr>
+          <p:nvPr/>
+        </p:nvPicPr>
+        <p:blipFill>
+          <a:blip r:embed="rId2" cstate="print">
+            <a:extLst>
+              <a:ext uri="{28A0092B-C50C-407E-A947-70E740481C1C}">
+                <a14:useLocalDpi xmlns:a14="http://schemas.microsoft.com/office/drawing/2010/main" val="0"/>
+              </a:ext>
+            </a:extLst>
+          </a:blip>
+          <a:srcRect/>
+          <a:stretch>
+            <a:fillRect/>
+          </a:stretch>
+        </p:blipFill>
+        <p:spPr bwMode="auto">
+          <a:xfrm>
+            <a:off x="3921039" y="3483010"/>
+            <a:ext cx="5126025" cy="2529636"/>
+          </a:xfrm>
+          <a:prstGeom prst="rect">
+            <a:avLst/>
+          </a:prstGeom>
+          <a:noFill/>
+          <a:extLst>
+            <a:ext uri="{909E8E84-426E-40DD-AFC4-6F175D3DCCD1}">
+              <a14:hiddenFill xmlns:a14="http://schemas.microsoft.com/office/drawing/2010/main">
+                <a:solidFill>
+                  <a:srgbClr val="FFFFFF"/>
+                </a:solidFill>
+              </a14:hiddenFill>
+            </a:ext>
+          </a:extLst>
+        </p:spPr>
+      </p:pic>
+      <p:sp>
+        <p:nvSpPr>
+          <p:cNvPr id="5" name="文字方塊 4"/>
+          <p:cNvSpPr txBox="1"/>
+          <p:nvPr/>
+        </p:nvSpPr>
+        <p:spPr>
+          <a:xfrm>
+            <a:off x="131496" y="3284984"/>
+            <a:ext cx="4115248" cy="2862322"/>
+          </a:xfrm>
+          <a:prstGeom prst="rect">
+            <a:avLst/>
+          </a:prstGeom>
+          <a:solidFill>
+            <a:schemeClr val="tx2">
+              <a:lumMod val="25000"/>
+              <a:lumOff val="75000"/>
+            </a:schemeClr>
+          </a:solidFill>
+        </p:spPr>
+        <p:txBody>
+          <a:bodyPr wrap="square" rtlCol="0">
+            <a:spAutoFit/>
+          </a:bodyPr>
+          <a:lstStyle/>
+          <a:p>
+            <a:r>
+              <a:rPr lang="en-US" altLang="zh-TW" sz="1200" dirty="0" err="1" smtClean="0">
+                <a:latin typeface="Calibri Light" pitchFamily="34" charset="0"/>
+              </a:rPr>
+              <a:t>root@kali</a:t>
+            </a:r>
+            <a:r>
+              <a:rPr lang="en-US" altLang="zh-TW" sz="1200" dirty="0" smtClean="0">
+                <a:latin typeface="Calibri Light" pitchFamily="34" charset="0"/>
+              </a:rPr>
+              <a:t>:~# </a:t>
+            </a:r>
+            <a:r>
+              <a:rPr lang="en-US" altLang="zh-TW" sz="1200" b="1" dirty="0" err="1" smtClean="0">
+                <a:solidFill>
+                  <a:srgbClr val="C00000"/>
+                </a:solidFill>
+                <a:latin typeface="Calibri Light" pitchFamily="34" charset="0"/>
+              </a:rPr>
+              <a:t>nmap</a:t>
+            </a:r>
+            <a:r>
+              <a:rPr lang="en-US" altLang="zh-TW" sz="1200" b="1" dirty="0" smtClean="0">
+                <a:solidFill>
+                  <a:srgbClr val="C00000"/>
+                </a:solidFill>
+                <a:latin typeface="Calibri Light" pitchFamily="34" charset="0"/>
+              </a:rPr>
+              <a:t> </a:t>
+            </a:r>
+            <a:r>
+              <a:rPr lang="en-US" altLang="zh-TW" sz="1200" b="1" dirty="0" smtClean="0">
+                <a:solidFill>
+                  <a:srgbClr val="C00000"/>
+                </a:solidFill>
+                <a:latin typeface="Calibri Light" pitchFamily="34" charset="0"/>
+              </a:rPr>
+              <a:t>-</a:t>
+            </a:r>
+            <a:r>
+              <a:rPr lang="en-US" altLang="zh-TW" sz="1200" b="1" dirty="0" err="1" smtClean="0">
+                <a:solidFill>
+                  <a:srgbClr val="C00000"/>
+                </a:solidFill>
+                <a:latin typeface="Calibri Light" pitchFamily="34" charset="0"/>
+              </a:rPr>
+              <a:t>sT</a:t>
+            </a:r>
+            <a:r>
+              <a:rPr lang="en-US" altLang="zh-TW" sz="1200" b="1" dirty="0" smtClean="0">
+                <a:solidFill>
+                  <a:srgbClr val="C00000"/>
+                </a:solidFill>
+                <a:latin typeface="Calibri Light" pitchFamily="34" charset="0"/>
+              </a:rPr>
+              <a:t> 172.22.0.1</a:t>
+            </a:r>
+            <a:endParaRPr lang="en-US" altLang="zh-TW" sz="1200" b="1" dirty="0" smtClean="0">
+              <a:solidFill>
+                <a:srgbClr val="C00000"/>
+              </a:solidFill>
+              <a:latin typeface="Calibri Light" pitchFamily="34" charset="0"/>
+            </a:endParaRPr>
+          </a:p>
+          <a:p>
+            <a:r>
+              <a:rPr lang="en-US" altLang="zh-TW" sz="1200" dirty="0" err="1">
+                <a:latin typeface="Calibri Light" pitchFamily="34" charset="0"/>
+              </a:rPr>
+              <a:t>nmap</a:t>
+            </a:r>
+            <a:r>
+              <a:rPr lang="en-US" altLang="zh-TW" sz="1200" dirty="0">
+                <a:latin typeface="Calibri Light" pitchFamily="34" charset="0"/>
+              </a:rPr>
+              <a:t> -</a:t>
+            </a:r>
+            <a:r>
+              <a:rPr lang="en-US" altLang="zh-TW" sz="1200" dirty="0" err="1">
+                <a:latin typeface="Calibri Light" pitchFamily="34" charset="0"/>
+              </a:rPr>
+              <a:t>sT</a:t>
+            </a:r>
+            <a:r>
+              <a:rPr lang="en-US" altLang="zh-TW" sz="1200" dirty="0">
+                <a:latin typeface="Calibri Light" pitchFamily="34" charset="0"/>
+              </a:rPr>
+              <a:t> 172.22.0.1</a:t>
+            </a:r>
+          </a:p>
+          <a:p>
+            <a:endParaRPr lang="en-US" altLang="zh-TW" sz="1200" dirty="0">
+              <a:latin typeface="Calibri Light" pitchFamily="34" charset="0"/>
+            </a:endParaRPr>
+          </a:p>
+          <a:p>
+            <a:r>
+              <a:rPr lang="en-US" altLang="zh-TW" sz="1200" dirty="0">
+                <a:latin typeface="Calibri Light" pitchFamily="34" charset="0"/>
+              </a:rPr>
+              <a:t>Starting </a:t>
+            </a:r>
+            <a:r>
+              <a:rPr lang="en-US" altLang="zh-TW" sz="1200" dirty="0" err="1">
+                <a:latin typeface="Calibri Light" pitchFamily="34" charset="0"/>
+              </a:rPr>
+              <a:t>Nmap</a:t>
+            </a:r>
+            <a:r>
+              <a:rPr lang="en-US" altLang="zh-TW" sz="1200" dirty="0">
+                <a:latin typeface="Calibri Light" pitchFamily="34" charset="0"/>
+              </a:rPr>
+              <a:t> 6.40 ( http://nmap.org ) at 2018-12-25 20:08 CST</a:t>
+            </a:r>
+          </a:p>
+          <a:p>
+            <a:r>
+              <a:rPr lang="en-US" altLang="zh-TW" sz="1200" dirty="0" err="1">
+                <a:latin typeface="Calibri Light" pitchFamily="34" charset="0"/>
+              </a:rPr>
+              <a:t>Nmap</a:t>
+            </a:r>
+            <a:r>
+              <a:rPr lang="en-US" altLang="zh-TW" sz="1200" dirty="0">
+                <a:latin typeface="Calibri Light" pitchFamily="34" charset="0"/>
+              </a:rPr>
+              <a:t> scan report for node1.k8s.dic (172.22.0.1)</a:t>
+            </a:r>
+          </a:p>
+          <a:p>
+            <a:r>
+              <a:rPr lang="en-US" altLang="zh-TW" sz="1200" dirty="0">
+                <a:latin typeface="Calibri Light" pitchFamily="34" charset="0"/>
+              </a:rPr>
+              <a:t>Host is up (0.0019s latency).</a:t>
+            </a:r>
+          </a:p>
+          <a:p>
+            <a:r>
+              <a:rPr lang="en-US" altLang="zh-TW" sz="1200" dirty="0">
+                <a:latin typeface="Calibri Light" pitchFamily="34" charset="0"/>
+              </a:rPr>
+              <a:t>Not shown: 996 closed ports</a:t>
+            </a:r>
+          </a:p>
+          <a:p>
+            <a:r>
+              <a:rPr lang="en-US" altLang="zh-TW" sz="1200" dirty="0">
+                <a:latin typeface="Calibri Light" pitchFamily="34" charset="0"/>
+              </a:rPr>
+              <a:t>PORT     STATE SERVICE</a:t>
+            </a:r>
+          </a:p>
+          <a:p>
+            <a:r>
+              <a:rPr lang="en-US" altLang="zh-TW" sz="1200" dirty="0">
+                <a:latin typeface="Calibri Light" pitchFamily="34" charset="0"/>
+              </a:rPr>
+              <a:t>22/</a:t>
+            </a:r>
+            <a:r>
+              <a:rPr lang="en-US" altLang="zh-TW" sz="1200" dirty="0" err="1">
+                <a:latin typeface="Calibri Light" pitchFamily="34" charset="0"/>
+              </a:rPr>
+              <a:t>tcp</a:t>
+            </a:r>
+            <a:r>
+              <a:rPr lang="en-US" altLang="zh-TW" sz="1200" dirty="0">
+                <a:latin typeface="Calibri Light" pitchFamily="34" charset="0"/>
+              </a:rPr>
+              <a:t>   open  </a:t>
+            </a:r>
+            <a:r>
+              <a:rPr lang="en-US" altLang="zh-TW" sz="1200" dirty="0" err="1">
+                <a:latin typeface="Calibri Light" pitchFamily="34" charset="0"/>
+              </a:rPr>
+              <a:t>ssh</a:t>
+            </a:r>
+            <a:endParaRPr lang="en-US" altLang="zh-TW" sz="1200" dirty="0">
+              <a:latin typeface="Calibri Light" pitchFamily="34" charset="0"/>
+            </a:endParaRPr>
+          </a:p>
+          <a:p>
+            <a:r>
+              <a:rPr lang="en-US" altLang="zh-TW" sz="1200" dirty="0">
+                <a:latin typeface="Calibri Light" pitchFamily="34" charset="0"/>
+              </a:rPr>
+              <a:t>111/</a:t>
+            </a:r>
+            <a:r>
+              <a:rPr lang="en-US" altLang="zh-TW" sz="1200" dirty="0" err="1">
+                <a:latin typeface="Calibri Light" pitchFamily="34" charset="0"/>
+              </a:rPr>
+              <a:t>tcp</a:t>
+            </a:r>
+            <a:r>
+              <a:rPr lang="en-US" altLang="zh-TW" sz="1200" dirty="0">
+                <a:latin typeface="Calibri Light" pitchFamily="34" charset="0"/>
+              </a:rPr>
+              <a:t>  open  </a:t>
+            </a:r>
+            <a:r>
+              <a:rPr lang="en-US" altLang="zh-TW" sz="1200" dirty="0" err="1">
+                <a:latin typeface="Calibri Light" pitchFamily="34" charset="0"/>
+              </a:rPr>
+              <a:t>rpcbind</a:t>
+            </a:r>
+            <a:endParaRPr lang="en-US" altLang="zh-TW" sz="1200" dirty="0">
+              <a:latin typeface="Calibri Light" pitchFamily="34" charset="0"/>
+            </a:endParaRPr>
+          </a:p>
+          <a:p>
+            <a:r>
+              <a:rPr lang="en-US" altLang="zh-TW" sz="1200" dirty="0">
+                <a:latin typeface="Calibri Light" pitchFamily="34" charset="0"/>
+              </a:rPr>
+              <a:t>2049/</a:t>
+            </a:r>
+            <a:r>
+              <a:rPr lang="en-US" altLang="zh-TW" sz="1200" dirty="0" err="1">
+                <a:latin typeface="Calibri Light" pitchFamily="34" charset="0"/>
+              </a:rPr>
+              <a:t>tcp</a:t>
+            </a:r>
+            <a:r>
+              <a:rPr lang="en-US" altLang="zh-TW" sz="1200" dirty="0">
+                <a:latin typeface="Calibri Light" pitchFamily="34" charset="0"/>
+              </a:rPr>
+              <a:t> open  </a:t>
+            </a:r>
+            <a:r>
+              <a:rPr lang="en-US" altLang="zh-TW" sz="1200" dirty="0" err="1">
+                <a:latin typeface="Calibri Light" pitchFamily="34" charset="0"/>
+              </a:rPr>
+              <a:t>nfs</a:t>
+            </a:r>
+            <a:endParaRPr lang="en-US" altLang="zh-TW" sz="1200" dirty="0">
+              <a:latin typeface="Calibri Light" pitchFamily="34" charset="0"/>
+            </a:endParaRPr>
+          </a:p>
+          <a:p>
+            <a:r>
+              <a:rPr lang="en-US" altLang="zh-TW" sz="1200" dirty="0">
+                <a:latin typeface="Calibri Light" pitchFamily="34" charset="0"/>
+              </a:rPr>
+              <a:t>9090/</a:t>
+            </a:r>
+            <a:r>
+              <a:rPr lang="en-US" altLang="zh-TW" sz="1200" dirty="0" err="1">
+                <a:latin typeface="Calibri Light" pitchFamily="34" charset="0"/>
+              </a:rPr>
+              <a:t>tcp</a:t>
+            </a:r>
+            <a:r>
+              <a:rPr lang="en-US" altLang="zh-TW" sz="1200" dirty="0">
+                <a:latin typeface="Calibri Light" pitchFamily="34" charset="0"/>
+              </a:rPr>
+              <a:t> open  </a:t>
+            </a:r>
+            <a:r>
+              <a:rPr lang="en-US" altLang="zh-TW" sz="1200" dirty="0" err="1">
+                <a:latin typeface="Calibri Light" pitchFamily="34" charset="0"/>
+              </a:rPr>
+              <a:t>zeus</a:t>
+            </a:r>
+            <a:r>
+              <a:rPr lang="en-US" altLang="zh-TW" sz="1200" dirty="0">
+                <a:latin typeface="Calibri Light" pitchFamily="34" charset="0"/>
+              </a:rPr>
+              <a:t>-admin</a:t>
+            </a:r>
+          </a:p>
+          <a:p>
+            <a:r>
+              <a:rPr lang="en-US" altLang="zh-TW" sz="1200" dirty="0">
+                <a:latin typeface="Calibri Light" pitchFamily="34" charset="0"/>
+              </a:rPr>
+              <a:t>MAC Address: 30:85:A9:A7:8C:5A (</a:t>
+            </a:r>
+            <a:r>
+              <a:rPr lang="en-US" altLang="zh-TW" sz="1200" dirty="0" err="1">
+                <a:latin typeface="Calibri Light" pitchFamily="34" charset="0"/>
+              </a:rPr>
+              <a:t>Asustek</a:t>
+            </a:r>
+            <a:r>
+              <a:rPr lang="en-US" altLang="zh-TW" sz="1200" dirty="0">
+                <a:latin typeface="Calibri Light" pitchFamily="34" charset="0"/>
+              </a:rPr>
+              <a:t> Computer)</a:t>
+            </a:r>
+          </a:p>
+          <a:p>
+            <a:endParaRPr lang="en-US" altLang="zh-TW" sz="1200" dirty="0">
+              <a:latin typeface="Calibri Light" pitchFamily="34" charset="0"/>
+            </a:endParaRPr>
+          </a:p>
+          <a:p>
+            <a:r>
+              <a:rPr lang="en-US" altLang="zh-TW" sz="1200" dirty="0" err="1">
+                <a:latin typeface="Calibri Light" pitchFamily="34" charset="0"/>
+              </a:rPr>
+              <a:t>Nmap</a:t>
+            </a:r>
+            <a:r>
+              <a:rPr lang="en-US" altLang="zh-TW" sz="1200" dirty="0">
+                <a:latin typeface="Calibri Light" pitchFamily="34" charset="0"/>
+              </a:rPr>
+              <a:t> done: 1 IP address (1 host up) scanned in 0.19 seconds</a:t>
+            </a:r>
+            <a:endParaRPr lang="en-US" altLang="zh-TW" sz="1200" dirty="0" smtClean="0">
+              <a:latin typeface="Calibri Light" pitchFamily="34" charset="0"/>
+            </a:endParaRPr>
           </a:p>
         </p:txBody>
       </p:sp>
@@ -5766,7 +8050,7 @@
       </p:grpSpPr>
       <p:sp>
         <p:nvSpPr>
-          <p:cNvPr id="3" name="標題 2"/>
+          <p:cNvPr id="2" name="標題 1"/>
           <p:cNvSpPr>
             <a:spLocks noGrp="1"/>
           </p:cNvSpPr>
@@ -5779,13 +8063,29 @@
           <a:bodyPr/>
           <a:lstStyle/>
           <a:p>
-            <a:endParaRPr lang="zh-TW" altLang="en-US"/>
-          </a:p>
-        </p:txBody>
-      </p:sp>
-      <p:sp>
-        <p:nvSpPr>
-          <p:cNvPr id="2" name="內容版面配置區 1"/>
+            <a:r>
+              <a:rPr lang="zh-TW" altLang="en-US" dirty="0" smtClean="0"/>
+              <a:t>掃描</a:t>
+            </a:r>
+            <a:r>
+              <a:rPr lang="en-US" altLang="zh-TW" dirty="0" smtClean="0"/>
+              <a:t>TCP</a:t>
+            </a:r>
+            <a:r>
+              <a:rPr lang="zh-TW" altLang="en-US" dirty="0" smtClean="0"/>
+              <a:t> </a:t>
+            </a:r>
+            <a:r>
+              <a:rPr lang="en-US" altLang="zh-TW" dirty="0" smtClean="0"/>
+              <a:t>SYN</a:t>
+            </a:r>
+            <a:endParaRPr lang="zh-TW" altLang="en-US" dirty="0"/>
+          </a:p>
+        </p:txBody>
+      </p:sp>
+      <p:sp>
+        <p:nvSpPr>
+          <p:cNvPr id="3" name="內容版面配置區 2"/>
           <p:cNvSpPr>
             <a:spLocks noGrp="1"/>
           </p:cNvSpPr>
@@ -5795,50 +8095,800 @@
         </p:nvSpPr>
         <p:spPr/>
         <p:txBody>
-          <a:bodyPr/>
+          <a:bodyPr>
+            <a:normAutofit/>
+          </a:bodyPr>
           <a:lstStyle/>
           <a:p>
             <a:r>
-              <a:rPr lang="en-US" altLang="zh-TW" dirty="0" smtClean="0"/>
-              <a:t>Finger printing</a:t>
-            </a:r>
-          </a:p>
-          <a:p>
-            <a:r>
-              <a:rPr lang="zh-TW" altLang="en-US" dirty="0"/>
-              <a:t>主機是否</a:t>
-            </a:r>
-            <a:r>
-              <a:rPr lang="zh-TW" altLang="en-US" dirty="0" smtClean="0"/>
-              <a:t>存活</a:t>
-            </a:r>
-            <a:endParaRPr lang="en-US" altLang="zh-TW" dirty="0" smtClean="0"/>
-          </a:p>
-          <a:p>
-            <a:r>
-              <a:rPr lang="en-US" altLang="zh-TW" dirty="0" smtClean="0"/>
-              <a:t>NSE</a:t>
-            </a:r>
-          </a:p>
-          <a:p>
-            <a:r>
-              <a:rPr lang="en-US" altLang="zh-TW" dirty="0" smtClean="0"/>
-              <a:t>reference</a:t>
-            </a:r>
-            <a:endParaRPr lang="zh-TW" altLang="en-US" dirty="0"/>
-          </a:p>
-        </p:txBody>
-      </p:sp>
+              <a:rPr lang="zh-TW" altLang="en-US" sz="1800" dirty="0"/>
+              <a:t>這種掃描技術也叫半公開式掃描 </a:t>
+            </a:r>
+            <a:r>
+              <a:rPr lang="en-US" altLang="zh-TW" sz="1800" dirty="0"/>
+              <a:t>(half-open scanning)</a:t>
+            </a:r>
+            <a:r>
+              <a:rPr lang="zh-TW" altLang="en-US" sz="1800" dirty="0"/>
+              <a:t>，因為它沒有完成一個完整的 </a:t>
+            </a:r>
+            <a:r>
+              <a:rPr lang="en-US" altLang="zh-TW" sz="1800" dirty="0"/>
+              <a:t>TCP </a:t>
+            </a:r>
+            <a:r>
+              <a:rPr lang="zh-TW" altLang="en-US" sz="1800" dirty="0"/>
+              <a:t>連接三次交握過程</a:t>
+            </a:r>
+            <a:r>
+              <a:rPr lang="zh-TW" altLang="en-US" sz="1800" dirty="0" smtClean="0"/>
+              <a:t>。</a:t>
+            </a:r>
+            <a:endParaRPr lang="en-US" altLang="zh-TW" sz="1800" dirty="0" smtClean="0"/>
+          </a:p>
+          <a:p>
+            <a:r>
+              <a:rPr lang="zh-TW" altLang="en-US" sz="1800" dirty="0" smtClean="0"/>
+              <a:t>此</a:t>
+            </a:r>
+            <a:r>
+              <a:rPr lang="zh-TW" altLang="en-US" sz="1800" dirty="0"/>
+              <a:t>方法為向目標 </a:t>
+            </a:r>
+            <a:r>
+              <a:rPr lang="en-US" altLang="zh-TW" sz="1800" dirty="0"/>
+              <a:t>Port </a:t>
+            </a:r>
+            <a:r>
+              <a:rPr lang="zh-TW" altLang="en-US" sz="1800" dirty="0"/>
+              <a:t>發送一個 </a:t>
+            </a:r>
+            <a:r>
+              <a:rPr lang="en-US" altLang="zh-TW" sz="1800" dirty="0"/>
+              <a:t>SYN </a:t>
+            </a:r>
+            <a:r>
+              <a:rPr lang="zh-TW" altLang="en-US" sz="1800" dirty="0"/>
+              <a:t>封包，如果目標 </a:t>
+            </a:r>
+            <a:r>
+              <a:rPr lang="en-US" altLang="zh-TW" sz="1800" dirty="0"/>
+              <a:t>Port </a:t>
+            </a:r>
+            <a:r>
+              <a:rPr lang="zh-TW" altLang="en-US" sz="1800" dirty="0"/>
+              <a:t>回應 </a:t>
+            </a:r>
+            <a:r>
+              <a:rPr lang="en-US" altLang="zh-TW" sz="1800" dirty="0"/>
+              <a:t>SYN / ACK </a:t>
+            </a:r>
+            <a:r>
+              <a:rPr lang="zh-TW" altLang="en-US" sz="1800" dirty="0"/>
+              <a:t>封包則表示該 </a:t>
+            </a:r>
+            <a:r>
+              <a:rPr lang="en-US" altLang="zh-TW" sz="1800" dirty="0"/>
+              <a:t>Port </a:t>
+            </a:r>
+            <a:r>
+              <a:rPr lang="zh-TW" altLang="en-US" sz="1800" dirty="0"/>
+              <a:t>處於打開狀態；若回應的是 </a:t>
+            </a:r>
+            <a:r>
+              <a:rPr lang="en-US" altLang="zh-TW" sz="1800" dirty="0"/>
+              <a:t>RST / ACK </a:t>
+            </a:r>
+            <a:r>
+              <a:rPr lang="zh-TW" altLang="en-US" sz="1800" dirty="0"/>
+              <a:t>封包則表示該 </a:t>
+            </a:r>
+            <a:r>
+              <a:rPr lang="en-US" altLang="zh-TW" sz="1800" dirty="0"/>
+              <a:t>Port </a:t>
+            </a:r>
+            <a:r>
+              <a:rPr lang="zh-TW" altLang="en-US" sz="1800" dirty="0"/>
+              <a:t>為關閉狀態。這種掃描方法比 </a:t>
+            </a:r>
+            <a:r>
+              <a:rPr lang="en-US" altLang="zh-TW" sz="1800" dirty="0"/>
+              <a:t>TCP Connect Scan </a:t>
+            </a:r>
+            <a:r>
+              <a:rPr lang="zh-TW" altLang="en-US" sz="1800" dirty="0"/>
+              <a:t>更具隱蔽性，只有極少數的網站會對它作出記錄因此比較不會在目標系統中留下掃描痕跡</a:t>
+            </a:r>
+          </a:p>
+        </p:txBody>
+      </p:sp>
+      <p:pic>
+        <p:nvPicPr>
+          <p:cNvPr id="2050" name="Picture 2" descr="ãtcp syn scanãçåçæå°çµæ"/>
+          <p:cNvPicPr>
+            <a:picLocks noChangeAspect="1" noChangeArrowheads="1"/>
+          </p:cNvPicPr>
+          <p:nvPr/>
+        </p:nvPicPr>
+        <p:blipFill>
+          <a:blip r:embed="rId2">
+            <a:extLst>
+              <a:ext uri="{28A0092B-C50C-407E-A947-70E740481C1C}">
+                <a14:useLocalDpi xmlns:a14="http://schemas.microsoft.com/office/drawing/2010/main" val="0"/>
+              </a:ext>
+            </a:extLst>
+          </a:blip>
+          <a:srcRect/>
+          <a:stretch>
+            <a:fillRect/>
+          </a:stretch>
+        </p:blipFill>
+        <p:spPr bwMode="auto">
+          <a:xfrm>
+            <a:off x="2095500" y="3573016"/>
+            <a:ext cx="4953000" cy="3228975"/>
+          </a:xfrm>
+          <a:prstGeom prst="rect">
+            <a:avLst/>
+          </a:prstGeom>
+          <a:noFill/>
+          <a:extLst>
+            <a:ext uri="{909E8E84-426E-40DD-AFC4-6F175D3DCCD1}">
+              <a14:hiddenFill xmlns:a14="http://schemas.microsoft.com/office/drawing/2010/main">
+                <a:solidFill>
+                  <a:srgbClr val="FFFFFF"/>
+                </a:solidFill>
+              </a14:hiddenFill>
+            </a:ext>
+          </a:extLst>
+        </p:spPr>
+      </p:pic>
     </p:spTree>
     <p:extLst>
       <p:ext uri="{BB962C8B-B14F-4D97-AF65-F5344CB8AC3E}">
-        <p14:creationId xmlns:p14="http://schemas.microsoft.com/office/powerpoint/2010/main" val="420474403"/>
+        <p14:creationId xmlns:p14="http://schemas.microsoft.com/office/powerpoint/2010/main" val="4082770910"/>
       </p:ext>
     </p:extLst>
   </p:cSld>
   <p:clrMapOvr>
     <a:masterClrMapping/>
   </p:clrMapOvr>
+</p:sld>
+</file>
+
+<file path=ppt/slides/slide8.xml><?xml version="1.0" encoding="utf-8"?>
+<p:sld xmlns:a="http://schemas.openxmlformats.org/drawingml/2006/main" xmlns:r="http://schemas.openxmlformats.org/officeDocument/2006/relationships" xmlns:p="http://schemas.openxmlformats.org/presentationml/2006/main">
+  <p:cSld>
+    <p:spTree>
+      <p:nvGrpSpPr>
+        <p:cNvPr id="1" name=""/>
+        <p:cNvGrpSpPr/>
+        <p:nvPr/>
+      </p:nvGrpSpPr>
+      <p:grpSpPr>
+        <a:xfrm>
+          <a:off x="0" y="0"/>
+          <a:ext cx="0" cy="0"/>
+          <a:chOff x="0" y="0"/>
+          <a:chExt cx="0" cy="0"/>
+        </a:xfrm>
+      </p:grpSpPr>
+      <p:sp>
+        <p:nvSpPr>
+          <p:cNvPr id="2" name="標題 1"/>
+          <p:cNvSpPr>
+            <a:spLocks noGrp="1"/>
+          </p:cNvSpPr>
+          <p:nvPr>
+            <p:ph type="title"/>
+          </p:nvPr>
+        </p:nvSpPr>
+        <p:spPr/>
+        <p:txBody>
+          <a:bodyPr/>
+          <a:lstStyle/>
+          <a:p>
+            <a:r>
+              <a:rPr lang="zh-TW" altLang="en-US" dirty="0" smtClean="0"/>
+              <a:t>掃描</a:t>
+            </a:r>
+            <a:r>
+              <a:rPr lang="en-US" altLang="zh-TW" dirty="0" smtClean="0"/>
+              <a:t>UDP</a:t>
+            </a:r>
+            <a:endParaRPr lang="zh-TW" altLang="en-US" dirty="0"/>
+          </a:p>
+        </p:txBody>
+      </p:sp>
+      <p:sp>
+        <p:nvSpPr>
+          <p:cNvPr id="3" name="內容版面配置區 2"/>
+          <p:cNvSpPr>
+            <a:spLocks noGrp="1"/>
+          </p:cNvSpPr>
+          <p:nvPr>
+            <p:ph idx="1"/>
+          </p:nvPr>
+        </p:nvSpPr>
+        <p:spPr/>
+        <p:txBody>
+          <a:bodyPr>
+            <a:normAutofit/>
+          </a:bodyPr>
+          <a:lstStyle/>
+          <a:p>
+            <a:r>
+              <a:rPr lang="zh-TW" altLang="en-US" sz="1800" dirty="0"/>
+              <a:t>可用來確定遠端主機開放哪些 </a:t>
+            </a:r>
+            <a:r>
+              <a:rPr lang="en-US" altLang="zh-TW" sz="1800" dirty="0"/>
+              <a:t>UDP Port </a:t>
+            </a:r>
+            <a:r>
+              <a:rPr lang="zh-TW" altLang="en-US" sz="1800" dirty="0"/>
+              <a:t>原理為送出零位元組的 </a:t>
+            </a:r>
+            <a:r>
+              <a:rPr lang="en-US" altLang="zh-TW" sz="1800" dirty="0"/>
+              <a:t>UDP </a:t>
+            </a:r>
+            <a:r>
+              <a:rPr lang="zh-TW" altLang="en-US" sz="1800" dirty="0"/>
+              <a:t>封包到目標主機的各連接</a:t>
+            </a:r>
+            <a:r>
+              <a:rPr lang="zh-TW" altLang="en-US" sz="1800" dirty="0" smtClean="0"/>
+              <a:t>埠</a:t>
+            </a:r>
+            <a:endParaRPr lang="en-US" altLang="zh-TW" sz="1800" dirty="0" smtClean="0"/>
+          </a:p>
+          <a:p>
+            <a:endParaRPr lang="zh-TW" altLang="en-US" sz="1800" dirty="0"/>
+          </a:p>
+        </p:txBody>
+      </p:sp>
+      <p:sp>
+        <p:nvSpPr>
+          <p:cNvPr id="4" name="文字方塊 3"/>
+          <p:cNvSpPr txBox="1"/>
+          <p:nvPr/>
+        </p:nvSpPr>
+        <p:spPr>
+          <a:xfrm>
+            <a:off x="960808" y="2420888"/>
+            <a:ext cx="7571631" cy="2308324"/>
+          </a:xfrm>
+          <a:prstGeom prst="rect">
+            <a:avLst/>
+          </a:prstGeom>
+          <a:solidFill>
+            <a:schemeClr val="tx2">
+              <a:lumMod val="25000"/>
+              <a:lumOff val="75000"/>
+            </a:schemeClr>
+          </a:solidFill>
+        </p:spPr>
+        <p:txBody>
+          <a:bodyPr wrap="square" rtlCol="0">
+            <a:spAutoFit/>
+          </a:bodyPr>
+          <a:lstStyle/>
+          <a:p>
+            <a:r>
+              <a:rPr lang="en-US" altLang="zh-TW" sz="1200" dirty="0" err="1" smtClean="0">
+                <a:latin typeface="Calibri Light" pitchFamily="34" charset="0"/>
+              </a:rPr>
+              <a:t>root@kali</a:t>
+            </a:r>
+            <a:r>
+              <a:rPr lang="en-US" altLang="zh-TW" sz="1200" dirty="0" smtClean="0">
+                <a:latin typeface="Calibri Light" pitchFamily="34" charset="0"/>
+              </a:rPr>
+              <a:t>:~# </a:t>
+            </a:r>
+            <a:r>
+              <a:rPr lang="en-US" altLang="zh-TW" sz="1200" b="1" dirty="0">
+                <a:solidFill>
+                  <a:srgbClr val="C00000"/>
+                </a:solidFill>
+                <a:latin typeface="Calibri Light" pitchFamily="34" charset="0"/>
+              </a:rPr>
+              <a:t> </a:t>
+            </a:r>
+            <a:r>
+              <a:rPr lang="en-US" altLang="zh-TW" sz="1200" b="1" dirty="0" err="1">
+                <a:solidFill>
+                  <a:srgbClr val="C00000"/>
+                </a:solidFill>
+                <a:latin typeface="Calibri Light" pitchFamily="34" charset="0"/>
+              </a:rPr>
+              <a:t>nmap</a:t>
+            </a:r>
+            <a:r>
+              <a:rPr lang="en-US" altLang="zh-TW" sz="1200" b="1" dirty="0">
+                <a:solidFill>
+                  <a:srgbClr val="C00000"/>
+                </a:solidFill>
+                <a:latin typeface="Calibri Light" pitchFamily="34" charset="0"/>
+              </a:rPr>
+              <a:t> -</a:t>
+            </a:r>
+            <a:r>
+              <a:rPr lang="en-US" altLang="zh-TW" sz="1200" b="1" dirty="0" err="1">
+                <a:solidFill>
+                  <a:srgbClr val="C00000"/>
+                </a:solidFill>
+                <a:latin typeface="Calibri Light" pitchFamily="34" charset="0"/>
+              </a:rPr>
+              <a:t>sU</a:t>
+            </a:r>
+            <a:r>
+              <a:rPr lang="en-US" altLang="zh-TW" sz="1200" b="1" dirty="0">
+                <a:solidFill>
+                  <a:srgbClr val="C00000"/>
+                </a:solidFill>
+                <a:latin typeface="Calibri Light" pitchFamily="34" charset="0"/>
+              </a:rPr>
+              <a:t> 172.22.0.1</a:t>
+            </a:r>
+          </a:p>
+          <a:p>
+            <a:endParaRPr lang="en-US" altLang="zh-TW" sz="1200" b="1" dirty="0">
+              <a:solidFill>
+                <a:srgbClr val="C00000"/>
+              </a:solidFill>
+              <a:latin typeface="Calibri Light" pitchFamily="34" charset="0"/>
+            </a:endParaRPr>
+          </a:p>
+          <a:p>
+            <a:r>
+              <a:rPr lang="en-US" altLang="zh-TW" sz="1200" dirty="0">
+                <a:latin typeface="Calibri Light" pitchFamily="34" charset="0"/>
+              </a:rPr>
+              <a:t>Starting </a:t>
+            </a:r>
+            <a:r>
+              <a:rPr lang="en-US" altLang="zh-TW" sz="1200" dirty="0" err="1">
+                <a:latin typeface="Calibri Light" pitchFamily="34" charset="0"/>
+              </a:rPr>
+              <a:t>Nmap</a:t>
+            </a:r>
+            <a:r>
+              <a:rPr lang="en-US" altLang="zh-TW" sz="1200" dirty="0">
+                <a:latin typeface="Calibri Light" pitchFamily="34" charset="0"/>
+              </a:rPr>
+              <a:t> 6.40 ( http://nmap.org ) at 2018-12-25 20:18 CST</a:t>
+            </a:r>
+          </a:p>
+          <a:p>
+            <a:r>
+              <a:rPr lang="en-US" altLang="zh-TW" sz="1200" dirty="0" err="1">
+                <a:latin typeface="Calibri Light" pitchFamily="34" charset="0"/>
+              </a:rPr>
+              <a:t>Nmap</a:t>
+            </a:r>
+            <a:r>
+              <a:rPr lang="en-US" altLang="zh-TW" sz="1200" dirty="0">
+                <a:latin typeface="Calibri Light" pitchFamily="34" charset="0"/>
+              </a:rPr>
+              <a:t> scan report for node1.k8s.dic (172.22.0.1)</a:t>
+            </a:r>
+          </a:p>
+          <a:p>
+            <a:r>
+              <a:rPr lang="en-US" altLang="zh-TW" sz="1200" dirty="0">
+                <a:latin typeface="Calibri Light" pitchFamily="34" charset="0"/>
+              </a:rPr>
+              <a:t>Host is up (0.00047s latency).</a:t>
+            </a:r>
+          </a:p>
+          <a:p>
+            <a:r>
+              <a:rPr lang="en-US" altLang="zh-TW" sz="1200" dirty="0">
+                <a:latin typeface="Calibri Light" pitchFamily="34" charset="0"/>
+              </a:rPr>
+              <a:t>Not shown: 998 closed ports</a:t>
+            </a:r>
+          </a:p>
+          <a:p>
+            <a:r>
+              <a:rPr lang="en-US" altLang="zh-TW" sz="1200" dirty="0">
+                <a:latin typeface="Calibri Light" pitchFamily="34" charset="0"/>
+              </a:rPr>
+              <a:t>PORT     STATE SERVICE</a:t>
+            </a:r>
+          </a:p>
+          <a:p>
+            <a:r>
+              <a:rPr lang="en-US" altLang="zh-TW" sz="1200" dirty="0">
+                <a:latin typeface="Calibri Light" pitchFamily="34" charset="0"/>
+              </a:rPr>
+              <a:t>111/</a:t>
+            </a:r>
+            <a:r>
+              <a:rPr lang="en-US" altLang="zh-TW" sz="1200" dirty="0" err="1">
+                <a:latin typeface="Calibri Light" pitchFamily="34" charset="0"/>
+              </a:rPr>
+              <a:t>udp</a:t>
+            </a:r>
+            <a:r>
+              <a:rPr lang="en-US" altLang="zh-TW" sz="1200" dirty="0">
+                <a:latin typeface="Calibri Light" pitchFamily="34" charset="0"/>
+              </a:rPr>
+              <a:t>  open  </a:t>
+            </a:r>
+            <a:r>
+              <a:rPr lang="en-US" altLang="zh-TW" sz="1200" dirty="0" err="1">
+                <a:latin typeface="Calibri Light" pitchFamily="34" charset="0"/>
+              </a:rPr>
+              <a:t>rpcbind</a:t>
+            </a:r>
+            <a:endParaRPr lang="en-US" altLang="zh-TW" sz="1200" dirty="0">
+              <a:latin typeface="Calibri Light" pitchFamily="34" charset="0"/>
+            </a:endParaRPr>
+          </a:p>
+          <a:p>
+            <a:r>
+              <a:rPr lang="en-US" altLang="zh-TW" sz="1200" dirty="0">
+                <a:latin typeface="Calibri Light" pitchFamily="34" charset="0"/>
+              </a:rPr>
+              <a:t>2049/</a:t>
+            </a:r>
+            <a:r>
+              <a:rPr lang="en-US" altLang="zh-TW" sz="1200" dirty="0" err="1">
+                <a:latin typeface="Calibri Light" pitchFamily="34" charset="0"/>
+              </a:rPr>
+              <a:t>udp</a:t>
+            </a:r>
+            <a:r>
+              <a:rPr lang="en-US" altLang="zh-TW" sz="1200" dirty="0">
+                <a:latin typeface="Calibri Light" pitchFamily="34" charset="0"/>
+              </a:rPr>
+              <a:t> open  </a:t>
+            </a:r>
+            <a:r>
+              <a:rPr lang="en-US" altLang="zh-TW" sz="1200" dirty="0" err="1">
+                <a:latin typeface="Calibri Light" pitchFamily="34" charset="0"/>
+              </a:rPr>
+              <a:t>nfs</a:t>
+            </a:r>
+            <a:endParaRPr lang="en-US" altLang="zh-TW" sz="1200" dirty="0">
+              <a:latin typeface="Calibri Light" pitchFamily="34" charset="0"/>
+            </a:endParaRPr>
+          </a:p>
+          <a:p>
+            <a:r>
+              <a:rPr lang="en-US" altLang="zh-TW" sz="1200" dirty="0">
+                <a:latin typeface="Calibri Light" pitchFamily="34" charset="0"/>
+              </a:rPr>
+              <a:t>MAC Address: 30:85:A9:A7:8C:5A (</a:t>
+            </a:r>
+            <a:r>
+              <a:rPr lang="en-US" altLang="zh-TW" sz="1200" dirty="0" err="1">
+                <a:latin typeface="Calibri Light" pitchFamily="34" charset="0"/>
+              </a:rPr>
+              <a:t>Asustek</a:t>
+            </a:r>
+            <a:r>
+              <a:rPr lang="en-US" altLang="zh-TW" sz="1200" dirty="0">
+                <a:latin typeface="Calibri Light" pitchFamily="34" charset="0"/>
+              </a:rPr>
+              <a:t> Computer)</a:t>
+            </a:r>
+          </a:p>
+          <a:p>
+            <a:endParaRPr lang="en-US" altLang="zh-TW" sz="1200" dirty="0">
+              <a:latin typeface="Calibri Light" pitchFamily="34" charset="0"/>
+            </a:endParaRPr>
+          </a:p>
+          <a:p>
+            <a:r>
+              <a:rPr lang="en-US" altLang="zh-TW" sz="1200" dirty="0" err="1">
+                <a:latin typeface="Calibri Light" pitchFamily="34" charset="0"/>
+              </a:rPr>
+              <a:t>Nmap</a:t>
+            </a:r>
+            <a:r>
+              <a:rPr lang="en-US" altLang="zh-TW" sz="1200" dirty="0">
+                <a:latin typeface="Calibri Light" pitchFamily="34" charset="0"/>
+              </a:rPr>
+              <a:t> done: 1 IP address (1 host up) scanned in 1080.20 seconds</a:t>
+            </a:r>
+            <a:endParaRPr lang="en-US" altLang="zh-TW" sz="1200" dirty="0" smtClean="0">
+              <a:latin typeface="Calibri Light" pitchFamily="34" charset="0"/>
+            </a:endParaRPr>
+          </a:p>
+        </p:txBody>
+      </p:sp>
+    </p:spTree>
+    <p:extLst>
+      <p:ext uri="{BB962C8B-B14F-4D97-AF65-F5344CB8AC3E}">
+        <p14:creationId xmlns:p14="http://schemas.microsoft.com/office/powerpoint/2010/main" val="2606651867"/>
+      </p:ext>
+    </p:extLst>
+  </p:cSld>
+  <p:clrMapOvr>
+    <a:masterClrMapping/>
+  </p:clrMapOvr>
+</p:sld>
+</file>
+
+<file path=ppt/slides/slide9.xml><?xml version="1.0" encoding="utf-8"?>
+<p:sld xmlns:a="http://schemas.openxmlformats.org/drawingml/2006/main" xmlns:r="http://schemas.openxmlformats.org/officeDocument/2006/relationships" xmlns:p="http://schemas.openxmlformats.org/presentationml/2006/main">
+  <p:cSld>
+    <p:spTree>
+      <p:nvGrpSpPr>
+        <p:cNvPr id="1" name=""/>
+        <p:cNvGrpSpPr/>
+        <p:nvPr/>
+      </p:nvGrpSpPr>
+      <p:grpSpPr>
+        <a:xfrm>
+          <a:off x="0" y="0"/>
+          <a:ext cx="0" cy="0"/>
+          <a:chOff x="0" y="0"/>
+          <a:chExt cx="0" cy="0"/>
+        </a:xfrm>
+      </p:grpSpPr>
+      <p:sp>
+        <p:nvSpPr>
+          <p:cNvPr id="2" name="標題 1"/>
+          <p:cNvSpPr>
+            <a:spLocks noGrp="1"/>
+          </p:cNvSpPr>
+          <p:nvPr>
+            <p:ph type="title"/>
+          </p:nvPr>
+        </p:nvSpPr>
+        <p:spPr/>
+        <p:txBody>
+          <a:bodyPr/>
+          <a:lstStyle/>
+          <a:p>
+            <a:r>
+              <a:rPr lang="zh-TW" altLang="en-US" dirty="0" smtClean="0"/>
+              <a:t>掃描指定</a:t>
+            </a:r>
+            <a:r>
+              <a:rPr lang="en-US" altLang="zh-TW" dirty="0" smtClean="0"/>
+              <a:t>Port</a:t>
+            </a:r>
+            <a:endParaRPr lang="zh-TW" altLang="en-US" dirty="0"/>
+          </a:p>
+        </p:txBody>
+      </p:sp>
+      <p:sp>
+        <p:nvSpPr>
+          <p:cNvPr id="3" name="內容版面配置區 2"/>
+          <p:cNvSpPr>
+            <a:spLocks noGrp="1"/>
+          </p:cNvSpPr>
+          <p:nvPr>
+            <p:ph idx="1"/>
+          </p:nvPr>
+        </p:nvSpPr>
+        <p:spPr/>
+        <p:txBody>
+          <a:bodyPr>
+            <a:normAutofit/>
+          </a:bodyPr>
+          <a:lstStyle/>
+          <a:p>
+            <a:r>
+              <a:rPr lang="zh-TW" altLang="en-US" sz="1800" dirty="0" smtClean="0"/>
+              <a:t>找出目標系統是否啟動某些特定的服務</a:t>
+            </a:r>
+            <a:endParaRPr lang="zh-TW" altLang="en-US" sz="1800" dirty="0"/>
+          </a:p>
+        </p:txBody>
+      </p:sp>
+      <p:sp>
+        <p:nvSpPr>
+          <p:cNvPr id="4" name="文字方塊 3"/>
+          <p:cNvSpPr txBox="1"/>
+          <p:nvPr/>
+        </p:nvSpPr>
+        <p:spPr>
+          <a:xfrm>
+            <a:off x="960808" y="2276872"/>
+            <a:ext cx="7571631" cy="1938992"/>
+          </a:xfrm>
+          <a:prstGeom prst="rect">
+            <a:avLst/>
+          </a:prstGeom>
+          <a:solidFill>
+            <a:schemeClr val="tx2">
+              <a:lumMod val="25000"/>
+              <a:lumOff val="75000"/>
+            </a:schemeClr>
+          </a:solidFill>
+        </p:spPr>
+        <p:txBody>
+          <a:bodyPr wrap="square" rtlCol="0">
+            <a:spAutoFit/>
+          </a:bodyPr>
+          <a:lstStyle/>
+          <a:p>
+            <a:r>
+              <a:rPr lang="en-US" altLang="zh-TW" sz="1200" dirty="0" err="1" smtClean="0">
+                <a:latin typeface="Calibri Light" pitchFamily="34" charset="0"/>
+              </a:rPr>
+              <a:t>root@kali</a:t>
+            </a:r>
+            <a:r>
+              <a:rPr lang="en-US" altLang="zh-TW" sz="1200" dirty="0" smtClean="0">
+                <a:latin typeface="Calibri Light" pitchFamily="34" charset="0"/>
+              </a:rPr>
+              <a:t>:~# </a:t>
+            </a:r>
+            <a:r>
+              <a:rPr lang="en-US" altLang="zh-TW" sz="1200" b="1" dirty="0">
+                <a:solidFill>
+                  <a:srgbClr val="C00000"/>
+                </a:solidFill>
+                <a:latin typeface="Calibri Light" pitchFamily="34" charset="0"/>
+              </a:rPr>
+              <a:t>  </a:t>
+            </a:r>
+            <a:r>
+              <a:rPr lang="en-US" altLang="zh-TW" sz="1200" b="1" dirty="0" err="1">
+                <a:solidFill>
+                  <a:srgbClr val="C00000"/>
+                </a:solidFill>
+                <a:latin typeface="Calibri Light" pitchFamily="34" charset="0"/>
+              </a:rPr>
+              <a:t>nmap</a:t>
+            </a:r>
+            <a:r>
+              <a:rPr lang="en-US" altLang="zh-TW" sz="1200" b="1" dirty="0">
+                <a:solidFill>
+                  <a:srgbClr val="C00000"/>
+                </a:solidFill>
+                <a:latin typeface="Calibri Light" pitchFamily="34" charset="0"/>
+              </a:rPr>
+              <a:t> -p 80 172.22.0.1</a:t>
+            </a:r>
+          </a:p>
+          <a:p>
+            <a:endParaRPr lang="en-US" altLang="zh-TW" sz="1200" b="1" dirty="0">
+              <a:solidFill>
+                <a:srgbClr val="C00000"/>
+              </a:solidFill>
+              <a:latin typeface="Calibri Light" pitchFamily="34" charset="0"/>
+            </a:endParaRPr>
+          </a:p>
+          <a:p>
+            <a:r>
+              <a:rPr lang="en-US" altLang="zh-TW" sz="1200" dirty="0">
+                <a:latin typeface="Calibri Light" pitchFamily="34" charset="0"/>
+              </a:rPr>
+              <a:t>Starting </a:t>
+            </a:r>
+            <a:r>
+              <a:rPr lang="en-US" altLang="zh-TW" sz="1200" dirty="0" err="1">
+                <a:latin typeface="Calibri Light" pitchFamily="34" charset="0"/>
+              </a:rPr>
+              <a:t>Nmap</a:t>
+            </a:r>
+            <a:r>
+              <a:rPr lang="en-US" altLang="zh-TW" sz="1200" dirty="0">
+                <a:latin typeface="Calibri Light" pitchFamily="34" charset="0"/>
+              </a:rPr>
+              <a:t> 6.40 ( http://nmap.org ) at 2018-12-25 21:57 CST</a:t>
+            </a:r>
+          </a:p>
+          <a:p>
+            <a:r>
+              <a:rPr lang="en-US" altLang="zh-TW" sz="1200" dirty="0" err="1">
+                <a:latin typeface="Calibri Light" pitchFamily="34" charset="0"/>
+              </a:rPr>
+              <a:t>Nmap</a:t>
+            </a:r>
+            <a:r>
+              <a:rPr lang="en-US" altLang="zh-TW" sz="1200" dirty="0">
+                <a:latin typeface="Calibri Light" pitchFamily="34" charset="0"/>
+              </a:rPr>
+              <a:t> scan report for node1.k8s.dic (172.22.0.1)</a:t>
+            </a:r>
+          </a:p>
+          <a:p>
+            <a:r>
+              <a:rPr lang="en-US" altLang="zh-TW" sz="1200" dirty="0">
+                <a:latin typeface="Calibri Light" pitchFamily="34" charset="0"/>
+              </a:rPr>
+              <a:t>Host is up (0.00039s latency).</a:t>
+            </a:r>
+          </a:p>
+          <a:p>
+            <a:r>
+              <a:rPr lang="en-US" altLang="zh-TW" sz="1200" dirty="0">
+                <a:latin typeface="Calibri Light" pitchFamily="34" charset="0"/>
+              </a:rPr>
+              <a:t>PORT   STATE  SERVICE</a:t>
+            </a:r>
+          </a:p>
+          <a:p>
+            <a:r>
+              <a:rPr lang="en-US" altLang="zh-TW" sz="1200" dirty="0">
+                <a:latin typeface="Calibri Light" pitchFamily="34" charset="0"/>
+              </a:rPr>
+              <a:t>80/</a:t>
+            </a:r>
+            <a:r>
+              <a:rPr lang="en-US" altLang="zh-TW" sz="1200" dirty="0" err="1">
+                <a:latin typeface="Calibri Light" pitchFamily="34" charset="0"/>
+              </a:rPr>
+              <a:t>tcp</a:t>
+            </a:r>
+            <a:r>
+              <a:rPr lang="en-US" altLang="zh-TW" sz="1200" dirty="0">
+                <a:latin typeface="Calibri Light" pitchFamily="34" charset="0"/>
+              </a:rPr>
+              <a:t> closed http</a:t>
+            </a:r>
+          </a:p>
+          <a:p>
+            <a:r>
+              <a:rPr lang="en-US" altLang="zh-TW" sz="1200" dirty="0">
+                <a:latin typeface="Calibri Light" pitchFamily="34" charset="0"/>
+              </a:rPr>
+              <a:t>MAC Address: 30:85:A9:A7:8C:5A (</a:t>
+            </a:r>
+            <a:r>
+              <a:rPr lang="en-US" altLang="zh-TW" sz="1200" dirty="0" err="1">
+                <a:latin typeface="Calibri Light" pitchFamily="34" charset="0"/>
+              </a:rPr>
+              <a:t>Asustek</a:t>
+            </a:r>
+            <a:r>
+              <a:rPr lang="en-US" altLang="zh-TW" sz="1200" dirty="0">
+                <a:latin typeface="Calibri Light" pitchFamily="34" charset="0"/>
+              </a:rPr>
+              <a:t> Computer)</a:t>
+            </a:r>
+          </a:p>
+          <a:p>
+            <a:endParaRPr lang="en-US" altLang="zh-TW" sz="1200" dirty="0">
+              <a:latin typeface="Calibri Light" pitchFamily="34" charset="0"/>
+            </a:endParaRPr>
+          </a:p>
+          <a:p>
+            <a:r>
+              <a:rPr lang="en-US" altLang="zh-TW" sz="1200" dirty="0" err="1">
+                <a:latin typeface="Calibri Light" pitchFamily="34" charset="0"/>
+              </a:rPr>
+              <a:t>Nmap</a:t>
+            </a:r>
+            <a:r>
+              <a:rPr lang="en-US" altLang="zh-TW" sz="1200" dirty="0">
+                <a:latin typeface="Calibri Light" pitchFamily="34" charset="0"/>
+              </a:rPr>
+              <a:t> done: 1 IP address (1 host up) scanned in 0.11 seconds</a:t>
+            </a:r>
+            <a:endParaRPr lang="en-US" altLang="zh-TW" sz="1200" dirty="0" smtClean="0">
+              <a:latin typeface="Calibri Light" pitchFamily="34" charset="0"/>
+            </a:endParaRPr>
+          </a:p>
+        </p:txBody>
+      </p:sp>
+    </p:spTree>
+    <p:extLst>
+      <p:ext uri="{BB962C8B-B14F-4D97-AF65-F5344CB8AC3E}">
+        <p14:creationId xmlns:p14="http://schemas.microsoft.com/office/powerpoint/2010/main" val="976351926"/>
+      </p:ext>
+    </p:extLst>
+  </p:cSld>
+  <p:clrMapOvr>
+    <a:masterClrMapping/>
+  </p:clrMapOvr>
+  <p:timing>
+    <p:tnLst>
+      <p:par>
+        <p:cTn id="1" dur="indefinite" restart="never" nodeType="tmRoot"/>
+      </p:par>
+    </p:tnLst>
+  </p:timing>
 </p:sld>
 </file>
 
